--- a/figures.pptx
+++ b/figures.pptx
@@ -5,7 +5,7 @@
     <p:sldMasterId id="2147483684" r:id="rId1"/>
   </p:sldMasterIdLst>
   <p:notesMasterIdLst>
-    <p:notesMasterId r:id="rId7"/>
+    <p:notesMasterId r:id="rId10"/>
   </p:notesMasterIdLst>
   <p:sldIdLst>
     <p:sldId id="942" r:id="rId2"/>
@@ -13,6 +13,9 @@
     <p:sldId id="1095" r:id="rId4"/>
     <p:sldId id="992" r:id="rId5"/>
     <p:sldId id="993" r:id="rId6"/>
+    <p:sldId id="1096" r:id="rId7"/>
+    <p:sldId id="1097" r:id="rId8"/>
+    <p:sldId id="963" r:id="rId9"/>
   </p:sldIdLst>
   <p:sldSz cx="12192000" cy="6858000"/>
   <p:notesSz cx="7099300" cy="10234613"/>
@@ -134,7 +137,7 @@
 <file path=ppt/revisionInfo.xml><?xml version="1.0" encoding="utf-8"?>
 <p1510:revInfo xmlns:a="http://schemas.openxmlformats.org/drawingml/2006/main" xmlns:r="http://schemas.openxmlformats.org/officeDocument/2006/relationships" xmlns:p1510="http://schemas.microsoft.com/office/powerpoint/2015/10/main">
   <p1510:revLst>
-    <p1510:client id="{68E71BBB-1A9D-4E45-8549-07D081F59784}" v="2" dt="2022-12-26T04:47:04.495"/>
+    <p1510:client id="{68E71BBB-1A9D-4E45-8549-07D081F59784}" v="24" dt="2022-12-26T06:56:07.257"/>
   </p1510:revLst>
 </p1510:revInfo>
 </file>
@@ -143,8 +146,8 @@
 <pc:chgInfo xmlns:a="http://schemas.openxmlformats.org/drawingml/2006/main" xmlns:r="http://schemas.openxmlformats.org/officeDocument/2006/relationships" xmlns:ac="http://schemas.microsoft.com/office/drawing/2013/main/command" xmlns:pc="http://schemas.microsoft.com/office/powerpoint/2013/main/command">
   <pc:docChgLst>
     <pc:chgData name="佐藤 良治" userId="f476b825f67e9d69" providerId="LiveId" clId="{68E71BBB-1A9D-4E45-8549-07D081F59784}"/>
-    <pc:docChg chg="delSld modSld">
-      <pc:chgData name="佐藤 良治" userId="f476b825f67e9d69" providerId="LiveId" clId="{68E71BBB-1A9D-4E45-8549-07D081F59784}" dt="2022-12-26T04:46:26.367" v="11"/>
+    <pc:docChg chg="undo custSel addSld delSld modSld">
+      <pc:chgData name="佐藤 良治" userId="f476b825f67e9d69" providerId="LiveId" clId="{68E71BBB-1A9D-4E45-8549-07D081F59784}" dt="2022-12-26T06:56:07.257" v="481"/>
       <pc:docMkLst>
         <pc:docMk/>
       </pc:docMkLst>
@@ -260,12 +263,20 @@
           <pc:sldMk cId="4064344029" sldId="940"/>
         </pc:sldMkLst>
       </pc:sldChg>
-      <pc:sldChg chg="modTransition">
-        <pc:chgData name="佐藤 良治" userId="f476b825f67e9d69" providerId="LiveId" clId="{68E71BBB-1A9D-4E45-8549-07D081F59784}" dt="2022-12-26T04:46:26.367" v="11"/>
+      <pc:sldChg chg="modSp mod modTransition modNotesTx">
+        <pc:chgData name="佐藤 良治" userId="f476b825f67e9d69" providerId="LiveId" clId="{68E71BBB-1A9D-4E45-8549-07D081F59784}" dt="2022-12-26T06:16:32.817" v="38" actId="2711"/>
         <pc:sldMkLst>
           <pc:docMk/>
           <pc:sldMk cId="4163404097" sldId="942"/>
         </pc:sldMkLst>
+        <pc:spChg chg="mod">
+          <ac:chgData name="佐藤 良治" userId="f476b825f67e9d69" providerId="LiveId" clId="{68E71BBB-1A9D-4E45-8549-07D081F59784}" dt="2022-12-26T06:16:32.817" v="38" actId="2711"/>
+          <ac:spMkLst>
+            <pc:docMk/>
+            <pc:sldMk cId="4163404097" sldId="942"/>
+            <ac:spMk id="7" creationId="{B3FFC412-9BC8-4F9C-BE35-75D10E697FAD}"/>
+          </ac:spMkLst>
+        </pc:spChg>
       </pc:sldChg>
       <pc:sldChg chg="del">
         <pc:chgData name="佐藤 良治" userId="f476b825f67e9d69" providerId="LiveId" clId="{68E71BBB-1A9D-4E45-8549-07D081F59784}" dt="2022-12-26T04:45:14.550" v="3" actId="47"/>
@@ -372,12 +383,28 @@
           <pc:sldMk cId="3567364181" sldId="962"/>
         </pc:sldMkLst>
       </pc:sldChg>
-      <pc:sldChg chg="del">
-        <pc:chgData name="佐藤 良治" userId="f476b825f67e9d69" providerId="LiveId" clId="{68E71BBB-1A9D-4E45-8549-07D081F59784}" dt="2022-12-26T04:45:45.617" v="10" actId="47"/>
+      <pc:sldChg chg="delSp add del mod modTransition delAnim modNotesTx">
+        <pc:chgData name="佐藤 良治" userId="f476b825f67e9d69" providerId="LiveId" clId="{68E71BBB-1A9D-4E45-8549-07D081F59784}" dt="2022-12-26T06:56:07.257" v="481"/>
         <pc:sldMkLst>
           <pc:docMk/>
           <pc:sldMk cId="3391136312" sldId="963"/>
         </pc:sldMkLst>
+        <pc:spChg chg="del">
+          <ac:chgData name="佐藤 良治" userId="f476b825f67e9d69" providerId="LiveId" clId="{68E71BBB-1A9D-4E45-8549-07D081F59784}" dt="2022-12-26T06:42:14.130" v="480" actId="478"/>
+          <ac:spMkLst>
+            <pc:docMk/>
+            <pc:sldMk cId="3391136312" sldId="963"/>
+            <ac:spMk id="5" creationId="{DB9A3C46-4413-46FE-8ACF-FE3B9A5630F7}"/>
+          </ac:spMkLst>
+        </pc:spChg>
+        <pc:picChg chg="del">
+          <ac:chgData name="佐藤 良治" userId="f476b825f67e9d69" providerId="LiveId" clId="{68E71BBB-1A9D-4E45-8549-07D081F59784}" dt="2022-12-26T06:42:11.115" v="479" actId="478"/>
+          <ac:picMkLst>
+            <pc:docMk/>
+            <pc:sldMk cId="3391136312" sldId="963"/>
+            <ac:picMk id="7" creationId="{D04568DC-365E-4A8E-9137-07A6223D58D0}"/>
+          </ac:picMkLst>
+        </pc:picChg>
       </pc:sldChg>
       <pc:sldChg chg="del">
         <pc:chgData name="佐藤 良治" userId="f476b825f67e9d69" providerId="LiveId" clId="{68E71BBB-1A9D-4E45-8549-07D081F59784}" dt="2022-12-26T04:45:45.617" v="10" actId="47"/>
@@ -505,8 +532,8 @@
           <pc:sldMk cId="3840569517" sldId="984"/>
         </pc:sldMkLst>
       </pc:sldChg>
-      <pc:sldChg chg="modTransition">
-        <pc:chgData name="佐藤 良治" userId="f476b825f67e9d69" providerId="LiveId" clId="{68E71BBB-1A9D-4E45-8549-07D081F59784}" dt="2022-12-26T04:46:26.367" v="11"/>
+      <pc:sldChg chg="modTransition modNotesTx">
+        <pc:chgData name="佐藤 良治" userId="f476b825f67e9d69" providerId="LiveId" clId="{68E71BBB-1A9D-4E45-8549-07D081F59784}" dt="2022-12-26T06:14:12.212" v="13" actId="6549"/>
         <pc:sldMkLst>
           <pc:docMk/>
           <pc:sldMk cId="3003142761" sldId="987"/>
@@ -526,15 +553,15 @@
           <pc:sldMk cId="2311765130" sldId="990"/>
         </pc:sldMkLst>
       </pc:sldChg>
-      <pc:sldChg chg="modTransition">
-        <pc:chgData name="佐藤 良治" userId="f476b825f67e9d69" providerId="LiveId" clId="{68E71BBB-1A9D-4E45-8549-07D081F59784}" dt="2022-12-26T04:46:26.367" v="11"/>
+      <pc:sldChg chg="modTransition modNotesTx">
+        <pc:chgData name="佐藤 良治" userId="f476b825f67e9d69" providerId="LiveId" clId="{68E71BBB-1A9D-4E45-8549-07D081F59784}" dt="2022-12-26T06:14:17.444" v="15" actId="6549"/>
         <pc:sldMkLst>
           <pc:docMk/>
           <pc:sldMk cId="201764158" sldId="992"/>
         </pc:sldMkLst>
       </pc:sldChg>
-      <pc:sldChg chg="modTransition">
-        <pc:chgData name="佐藤 良治" userId="f476b825f67e9d69" providerId="LiveId" clId="{68E71BBB-1A9D-4E45-8549-07D081F59784}" dt="2022-12-26T04:46:26.367" v="11"/>
+      <pc:sldChg chg="modTransition modNotesTx">
+        <pc:chgData name="佐藤 良治" userId="f476b825f67e9d69" providerId="LiveId" clId="{68E71BBB-1A9D-4E45-8549-07D081F59784}" dt="2022-12-26T06:14:20.065" v="16" actId="6549"/>
         <pc:sldMkLst>
           <pc:docMk/>
           <pc:sldMk cId="1416826453" sldId="993"/>
@@ -568,12 +595,370 @@
           <pc:sldMk cId="1307427903" sldId="1093"/>
         </pc:sldMkLst>
       </pc:sldChg>
-      <pc:sldChg chg="modTransition">
-        <pc:chgData name="佐藤 良治" userId="f476b825f67e9d69" providerId="LiveId" clId="{68E71BBB-1A9D-4E45-8549-07D081F59784}" dt="2022-12-26T04:46:26.367" v="11"/>
+      <pc:sldChg chg="modSp mod modTransition modNotesTx">
+        <pc:chgData name="佐藤 良治" userId="f476b825f67e9d69" providerId="LiveId" clId="{68E71BBB-1A9D-4E45-8549-07D081F59784}" dt="2022-12-26T06:17:02.318" v="43" actId="2711"/>
         <pc:sldMkLst>
           <pc:docMk/>
           <pc:sldMk cId="1026640757" sldId="1095"/>
         </pc:sldMkLst>
+        <pc:spChg chg="mod">
+          <ac:chgData name="佐藤 良治" userId="f476b825f67e9d69" providerId="LiveId" clId="{68E71BBB-1A9D-4E45-8549-07D081F59784}" dt="2022-12-26T06:17:02.318" v="43" actId="2711"/>
+          <ac:spMkLst>
+            <pc:docMk/>
+            <pc:sldMk cId="1026640757" sldId="1095"/>
+            <ac:spMk id="2" creationId="{9CBEDE01-34A2-457C-B9A9-D2EE56CF39CA}"/>
+          </ac:spMkLst>
+        </pc:spChg>
+        <pc:spChg chg="mod">
+          <ac:chgData name="佐藤 良治" userId="f476b825f67e9d69" providerId="LiveId" clId="{68E71BBB-1A9D-4E45-8549-07D081F59784}" dt="2022-12-26T06:16:52.485" v="41" actId="2711"/>
+          <ac:spMkLst>
+            <pc:docMk/>
+            <pc:sldMk cId="1026640757" sldId="1095"/>
+            <ac:spMk id="14" creationId="{087CE773-1C06-4C6D-9C8A-40FF699E6CB4}"/>
+          </ac:spMkLst>
+        </pc:spChg>
+        <pc:spChg chg="mod">
+          <ac:chgData name="佐藤 良治" userId="f476b825f67e9d69" providerId="LiveId" clId="{68E71BBB-1A9D-4E45-8549-07D081F59784}" dt="2022-12-26T06:16:47.418" v="40" actId="113"/>
+          <ac:spMkLst>
+            <pc:docMk/>
+            <pc:sldMk cId="1026640757" sldId="1095"/>
+            <ac:spMk id="15" creationId="{A5791B64-07E1-4A38-9858-460D7D66D63E}"/>
+          </ac:spMkLst>
+        </pc:spChg>
+      </pc:sldChg>
+      <pc:sldChg chg="addSp delSp modSp new mod modTransition">
+        <pc:chgData name="佐藤 良治" userId="f476b825f67e9d69" providerId="LiveId" clId="{68E71BBB-1A9D-4E45-8549-07D081F59784}" dt="2022-12-26T06:56:07.257" v="481"/>
+        <pc:sldMkLst>
+          <pc:docMk/>
+          <pc:sldMk cId="3024002542" sldId="1096"/>
+        </pc:sldMkLst>
+        <pc:spChg chg="mod">
+          <ac:chgData name="佐藤 良治" userId="f476b825f67e9d69" providerId="LiveId" clId="{68E71BBB-1A9D-4E45-8549-07D081F59784}" dt="2022-12-26T06:22:21.114" v="263" actId="6549"/>
+          <ac:spMkLst>
+            <pc:docMk/>
+            <pc:sldMk cId="3024002542" sldId="1096"/>
+            <ac:spMk id="2" creationId="{75773653-E4CD-E63F-870A-14B85FC45371}"/>
+          </ac:spMkLst>
+        </pc:spChg>
+        <pc:spChg chg="del">
+          <ac:chgData name="佐藤 良治" userId="f476b825f67e9d69" providerId="LiveId" clId="{68E71BBB-1A9D-4E45-8549-07D081F59784}" dt="2022-12-26T06:14:43.766" v="19" actId="478"/>
+          <ac:spMkLst>
+            <pc:docMk/>
+            <pc:sldMk cId="3024002542" sldId="1096"/>
+            <ac:spMk id="3" creationId="{AC921DE7-0F96-F40C-2C65-F75140891351}"/>
+          </ac:spMkLst>
+        </pc:spChg>
+        <pc:spChg chg="del">
+          <ac:chgData name="佐藤 良治" userId="f476b825f67e9d69" providerId="LiveId" clId="{68E71BBB-1A9D-4E45-8549-07D081F59784}" dt="2022-12-26T06:14:42.219" v="18" actId="478"/>
+          <ac:spMkLst>
+            <pc:docMk/>
+            <pc:sldMk cId="3024002542" sldId="1096"/>
+            <ac:spMk id="4" creationId="{B279D2D0-3EB2-EABC-C11D-6A09828333C7}"/>
+          </ac:spMkLst>
+        </pc:spChg>
+        <pc:spChg chg="add mod">
+          <ac:chgData name="佐藤 良治" userId="f476b825f67e9d69" providerId="LiveId" clId="{68E71BBB-1A9D-4E45-8549-07D081F59784}" dt="2022-12-26T06:17:20.461" v="47" actId="1076"/>
+          <ac:spMkLst>
+            <pc:docMk/>
+            <pc:sldMk cId="3024002542" sldId="1096"/>
+            <ac:spMk id="9" creationId="{A0358F3A-968E-E8D1-DF1F-1C7D44473EEF}"/>
+          </ac:spMkLst>
+        </pc:spChg>
+        <pc:spChg chg="add del mod">
+          <ac:chgData name="佐藤 良治" userId="f476b825f67e9d69" providerId="LiveId" clId="{68E71BBB-1A9D-4E45-8549-07D081F59784}" dt="2022-12-26T06:23:06.645" v="274" actId="478"/>
+          <ac:spMkLst>
+            <pc:docMk/>
+            <pc:sldMk cId="3024002542" sldId="1096"/>
+            <ac:spMk id="10" creationId="{963BE9FD-9537-16D2-EE9D-8DF1603C84D8}"/>
+          </ac:spMkLst>
+        </pc:spChg>
+        <pc:spChg chg="add mod">
+          <ac:chgData name="佐藤 良治" userId="f476b825f67e9d69" providerId="LiveId" clId="{68E71BBB-1A9D-4E45-8549-07D081F59784}" dt="2022-12-26T06:17:31.906" v="60" actId="6549"/>
+          <ac:spMkLst>
+            <pc:docMk/>
+            <pc:sldMk cId="3024002542" sldId="1096"/>
+            <ac:spMk id="11" creationId="{DD837FD1-537D-E9EE-7FCE-DC95FCC1FD93}"/>
+          </ac:spMkLst>
+        </pc:spChg>
+        <pc:spChg chg="add mod">
+          <ac:chgData name="佐藤 良治" userId="f476b825f67e9d69" providerId="LiveId" clId="{68E71BBB-1A9D-4E45-8549-07D081F59784}" dt="2022-12-26T06:27:21.583" v="278" actId="1076"/>
+          <ac:spMkLst>
+            <pc:docMk/>
+            <pc:sldMk cId="3024002542" sldId="1096"/>
+            <ac:spMk id="15" creationId="{F3865FB8-4C94-232D-B0D6-9500D6F90B36}"/>
+          </ac:spMkLst>
+        </pc:spChg>
+        <pc:spChg chg="add mod">
+          <ac:chgData name="佐藤 良治" userId="f476b825f67e9d69" providerId="LiveId" clId="{68E71BBB-1A9D-4E45-8549-07D081F59784}" dt="2022-12-26T06:27:30.066" v="282" actId="403"/>
+          <ac:spMkLst>
+            <pc:docMk/>
+            <pc:sldMk cId="3024002542" sldId="1096"/>
+            <ac:spMk id="16" creationId="{422E9DB6-053E-898B-FE2E-B2CB7BE91005}"/>
+          </ac:spMkLst>
+        </pc:spChg>
+        <pc:spChg chg="add mod">
+          <ac:chgData name="佐藤 良治" userId="f476b825f67e9d69" providerId="LiveId" clId="{68E71BBB-1A9D-4E45-8549-07D081F59784}" dt="2022-12-26T06:27:25.215" v="280" actId="403"/>
+          <ac:spMkLst>
+            <pc:docMk/>
+            <pc:sldMk cId="3024002542" sldId="1096"/>
+            <ac:spMk id="23" creationId="{722468F7-EFDE-7579-5AE9-8CFFB0030382}"/>
+          </ac:spMkLst>
+        </pc:spChg>
+        <pc:spChg chg="add mod">
+          <ac:chgData name="佐藤 良治" userId="f476b825f67e9d69" providerId="LiveId" clId="{68E71BBB-1A9D-4E45-8549-07D081F59784}" dt="2022-12-26T06:22:58.457" v="273" actId="14100"/>
+          <ac:spMkLst>
+            <pc:docMk/>
+            <pc:sldMk cId="3024002542" sldId="1096"/>
+            <ac:spMk id="24" creationId="{1B3E4E03-B129-504E-276E-75A3F740D5C0}"/>
+          </ac:spMkLst>
+        </pc:spChg>
+        <pc:spChg chg="add del mod">
+          <ac:chgData name="佐藤 良治" userId="f476b825f67e9d69" providerId="LiveId" clId="{68E71BBB-1A9D-4E45-8549-07D081F59784}" dt="2022-12-26T06:22:24.585" v="264" actId="478"/>
+          <ac:spMkLst>
+            <pc:docMk/>
+            <pc:sldMk cId="3024002542" sldId="1096"/>
+            <ac:spMk id="25" creationId="{F6745DD6-A919-E6E8-A35D-02A23AA9E06E}"/>
+          </ac:spMkLst>
+        </pc:spChg>
+        <pc:spChg chg="add del mod">
+          <ac:chgData name="佐藤 良治" userId="f476b825f67e9d69" providerId="LiveId" clId="{68E71BBB-1A9D-4E45-8549-07D081F59784}" dt="2022-12-26T06:22:12.965" v="246" actId="478"/>
+          <ac:spMkLst>
+            <pc:docMk/>
+            <pc:sldMk cId="3024002542" sldId="1096"/>
+            <ac:spMk id="26" creationId="{53D0C011-72ED-3036-EDF1-4676DD2DFE8C}"/>
+          </ac:spMkLst>
+        </pc:spChg>
+        <pc:cxnChg chg="add mod">
+          <ac:chgData name="佐藤 良治" userId="f476b825f67e9d69" providerId="LiveId" clId="{68E71BBB-1A9D-4E45-8549-07D081F59784}" dt="2022-12-26T06:15:53.452" v="25" actId="1076"/>
+          <ac:cxnSpMkLst>
+            <pc:docMk/>
+            <pc:sldMk cId="3024002542" sldId="1096"/>
+            <ac:cxnSpMk id="6" creationId="{36256048-EAEC-1F88-4C17-046033DF4459}"/>
+          </ac:cxnSpMkLst>
+        </pc:cxnChg>
+        <pc:cxnChg chg="add mod">
+          <ac:chgData name="佐藤 良治" userId="f476b825f67e9d69" providerId="LiveId" clId="{68E71BBB-1A9D-4E45-8549-07D081F59784}" dt="2022-12-26T06:15:53.452" v="25" actId="1076"/>
+          <ac:cxnSpMkLst>
+            <pc:docMk/>
+            <pc:sldMk cId="3024002542" sldId="1096"/>
+            <ac:cxnSpMk id="8" creationId="{8E46F80F-6338-9D1C-E9FD-2E91A65EB58E}"/>
+          </ac:cxnSpMkLst>
+        </pc:cxnChg>
+        <pc:cxnChg chg="add mod">
+          <ac:chgData name="佐藤 良治" userId="f476b825f67e9d69" providerId="LiveId" clId="{68E71BBB-1A9D-4E45-8549-07D081F59784}" dt="2022-12-26T06:22:51.615" v="271" actId="14100"/>
+          <ac:cxnSpMkLst>
+            <pc:docMk/>
+            <pc:sldMk cId="3024002542" sldId="1096"/>
+            <ac:cxnSpMk id="13" creationId="{CE5C3F59-E3C0-7F9F-5E76-22FD1E1B7CB1}"/>
+          </ac:cxnSpMkLst>
+        </pc:cxnChg>
+        <pc:cxnChg chg="add mod">
+          <ac:chgData name="佐藤 良治" userId="f476b825f67e9d69" providerId="LiveId" clId="{68E71BBB-1A9D-4E45-8549-07D081F59784}" dt="2022-12-26T06:22:46.307" v="270" actId="14100"/>
+          <ac:cxnSpMkLst>
+            <pc:docMk/>
+            <pc:sldMk cId="3024002542" sldId="1096"/>
+            <ac:cxnSpMk id="14" creationId="{8D9F618D-8FB0-26DD-6BEC-4E0FAF95A05B}"/>
+          </ac:cxnSpMkLst>
+        </pc:cxnChg>
+        <pc:cxnChg chg="add mod">
+          <ac:chgData name="佐藤 良治" userId="f476b825f67e9d69" providerId="LiveId" clId="{68E71BBB-1A9D-4E45-8549-07D081F59784}" dt="2022-12-26T06:20:03.949" v="156" actId="693"/>
+          <ac:cxnSpMkLst>
+            <pc:docMk/>
+            <pc:sldMk cId="3024002542" sldId="1096"/>
+            <ac:cxnSpMk id="18" creationId="{2603BFD0-2D6B-ED2B-4698-C74122B8C159}"/>
+          </ac:cxnSpMkLst>
+        </pc:cxnChg>
+      </pc:sldChg>
+      <pc:sldChg chg="addSp delSp modSp add mod modTransition">
+        <pc:chgData name="佐藤 良治" userId="f476b825f67e9d69" providerId="LiveId" clId="{68E71BBB-1A9D-4E45-8549-07D081F59784}" dt="2022-12-26T06:56:07.257" v="481"/>
+        <pc:sldMkLst>
+          <pc:docMk/>
+          <pc:sldMk cId="1975307438" sldId="1097"/>
+        </pc:sldMkLst>
+        <pc:spChg chg="mod">
+          <ac:chgData name="佐藤 良治" userId="f476b825f67e9d69" providerId="LiveId" clId="{68E71BBB-1A9D-4E45-8549-07D081F59784}" dt="2022-12-26T06:30:49.988" v="345" actId="20577"/>
+          <ac:spMkLst>
+            <pc:docMk/>
+            <pc:sldMk cId="1975307438" sldId="1097"/>
+            <ac:spMk id="2" creationId="{75773653-E4CD-E63F-870A-14B85FC45371}"/>
+          </ac:spMkLst>
+        </pc:spChg>
+        <pc:spChg chg="mod">
+          <ac:chgData name="佐藤 良治" userId="f476b825f67e9d69" providerId="LiveId" clId="{68E71BBB-1A9D-4E45-8549-07D081F59784}" dt="2022-12-26T06:32:32.533" v="368" actId="1076"/>
+          <ac:spMkLst>
+            <pc:docMk/>
+            <pc:sldMk cId="1975307438" sldId="1097"/>
+            <ac:spMk id="9" creationId="{A0358F3A-968E-E8D1-DF1F-1C7D44473EEF}"/>
+          </ac:spMkLst>
+        </pc:spChg>
+        <pc:spChg chg="mod">
+          <ac:chgData name="佐藤 良治" userId="f476b825f67e9d69" providerId="LiveId" clId="{68E71BBB-1A9D-4E45-8549-07D081F59784}" dt="2022-12-26T06:31:07.048" v="346" actId="1076"/>
+          <ac:spMkLst>
+            <pc:docMk/>
+            <pc:sldMk cId="1975307438" sldId="1097"/>
+            <ac:spMk id="11" creationId="{DD837FD1-537D-E9EE-7FCE-DC95FCC1FD93}"/>
+          </ac:spMkLst>
+        </pc:spChg>
+        <pc:spChg chg="add mod">
+          <ac:chgData name="佐藤 良治" userId="f476b825f67e9d69" providerId="LiveId" clId="{68E71BBB-1A9D-4E45-8549-07D081F59784}" dt="2022-12-26T06:36:56.673" v="476" actId="1076"/>
+          <ac:spMkLst>
+            <pc:docMk/>
+            <pc:sldMk cId="1975307438" sldId="1097"/>
+            <ac:spMk id="12" creationId="{E248D21A-3AD6-FBE6-FBBB-C9FAACB6E64E}"/>
+          </ac:spMkLst>
+        </pc:spChg>
+        <pc:spChg chg="mod">
+          <ac:chgData name="佐藤 良治" userId="f476b825f67e9d69" providerId="LiveId" clId="{68E71BBB-1A9D-4E45-8549-07D081F59784}" dt="2022-12-26T06:34:46.752" v="431" actId="404"/>
+          <ac:spMkLst>
+            <pc:docMk/>
+            <pc:sldMk cId="1975307438" sldId="1097"/>
+            <ac:spMk id="15" creationId="{F3865FB8-4C94-232D-B0D6-9500D6F90B36}"/>
+          </ac:spMkLst>
+        </pc:spChg>
+        <pc:spChg chg="del mod">
+          <ac:chgData name="佐藤 良治" userId="f476b825f67e9d69" providerId="LiveId" clId="{68E71BBB-1A9D-4E45-8549-07D081F59784}" dt="2022-12-26T06:34:51.617" v="432" actId="478"/>
+          <ac:spMkLst>
+            <pc:docMk/>
+            <pc:sldMk cId="1975307438" sldId="1097"/>
+            <ac:spMk id="16" creationId="{422E9DB6-053E-898B-FE2E-B2CB7BE91005}"/>
+          </ac:spMkLst>
+        </pc:spChg>
+        <pc:spChg chg="add mod">
+          <ac:chgData name="佐藤 良治" userId="f476b825f67e9d69" providerId="LiveId" clId="{68E71BBB-1A9D-4E45-8549-07D081F59784}" dt="2022-12-26T06:32:41.761" v="370" actId="1076"/>
+          <ac:spMkLst>
+            <pc:docMk/>
+            <pc:sldMk cId="1975307438" sldId="1097"/>
+            <ac:spMk id="19" creationId="{AE46A658-4249-3683-D9EB-9B83A8E05640}"/>
+          </ac:spMkLst>
+        </pc:spChg>
+        <pc:spChg chg="del mod">
+          <ac:chgData name="佐藤 良治" userId="f476b825f67e9d69" providerId="LiveId" clId="{68E71BBB-1A9D-4E45-8549-07D081F59784}" dt="2022-12-26T06:33:43.478" v="383" actId="478"/>
+          <ac:spMkLst>
+            <pc:docMk/>
+            <pc:sldMk cId="1975307438" sldId="1097"/>
+            <ac:spMk id="23" creationId="{722468F7-EFDE-7579-5AE9-8CFFB0030382}"/>
+          </ac:spMkLst>
+        </pc:spChg>
+        <pc:spChg chg="mod">
+          <ac:chgData name="佐藤 良治" userId="f476b825f67e9d69" providerId="LiveId" clId="{68E71BBB-1A9D-4E45-8549-07D081F59784}" dt="2022-12-26T06:33:47.559" v="384" actId="14100"/>
+          <ac:spMkLst>
+            <pc:docMk/>
+            <pc:sldMk cId="1975307438" sldId="1097"/>
+            <ac:spMk id="24" creationId="{1B3E4E03-B129-504E-276E-75A3F740D5C0}"/>
+          </ac:spMkLst>
+        </pc:spChg>
+        <pc:spChg chg="add del mod">
+          <ac:chgData name="佐藤 良治" userId="f476b825f67e9d69" providerId="LiveId" clId="{68E71BBB-1A9D-4E45-8549-07D081F59784}" dt="2022-12-26T06:33:56.458" v="387"/>
+          <ac:spMkLst>
+            <pc:docMk/>
+            <pc:sldMk cId="1975307438" sldId="1097"/>
+            <ac:spMk id="26" creationId="{07FBEA63-9567-268E-E752-83AB21BFF79A}"/>
+          </ac:spMkLst>
+        </pc:spChg>
+        <pc:spChg chg="add mod">
+          <ac:chgData name="佐藤 良治" userId="f476b825f67e9d69" providerId="LiveId" clId="{68E71BBB-1A9D-4E45-8549-07D081F59784}" dt="2022-12-26T06:34:55.903" v="435" actId="403"/>
+          <ac:spMkLst>
+            <pc:docMk/>
+            <pc:sldMk cId="1975307438" sldId="1097"/>
+            <ac:spMk id="27" creationId="{691C2614-7FCD-2D72-78F4-A376B194CE45}"/>
+          </ac:spMkLst>
+        </pc:spChg>
+        <pc:spChg chg="add mod">
+          <ac:chgData name="佐藤 良治" userId="f476b825f67e9d69" providerId="LiveId" clId="{68E71BBB-1A9D-4E45-8549-07D081F59784}" dt="2022-12-26T06:34:37.219" v="428" actId="1076"/>
+          <ac:spMkLst>
+            <pc:docMk/>
+            <pc:sldMk cId="1975307438" sldId="1097"/>
+            <ac:spMk id="28" creationId="{16183EA4-0327-FCD9-E5B6-E9DDA27A1359}"/>
+          </ac:spMkLst>
+        </pc:spChg>
+        <pc:spChg chg="add mod">
+          <ac:chgData name="佐藤 良治" userId="f476b825f67e9d69" providerId="LiveId" clId="{68E71BBB-1A9D-4E45-8549-07D081F59784}" dt="2022-12-26T06:35:51.995" v="467" actId="1076"/>
+          <ac:spMkLst>
+            <pc:docMk/>
+            <pc:sldMk cId="1975307438" sldId="1097"/>
+            <ac:spMk id="29" creationId="{4277CA87-0949-CE2F-EFC7-0C12E71AFD10}"/>
+          </ac:spMkLst>
+        </pc:spChg>
+        <pc:cxnChg chg="add mod">
+          <ac:chgData name="佐藤 良治" userId="f476b825f67e9d69" providerId="LiveId" clId="{68E71BBB-1A9D-4E45-8549-07D081F59784}" dt="2022-12-26T06:36:47.980" v="474" actId="208"/>
+          <ac:cxnSpMkLst>
+            <pc:docMk/>
+            <pc:sldMk cId="1975307438" sldId="1097"/>
+            <ac:cxnSpMk id="5" creationId="{30DF82D8-678A-937A-8506-D0813BD225EC}"/>
+          </ac:cxnSpMkLst>
+        </pc:cxnChg>
+        <pc:cxnChg chg="mod">
+          <ac:chgData name="佐藤 良治" userId="f476b825f67e9d69" providerId="LiveId" clId="{68E71BBB-1A9D-4E45-8549-07D081F59784}" dt="2022-12-26T06:36:33.313" v="471" actId="208"/>
+          <ac:cxnSpMkLst>
+            <pc:docMk/>
+            <pc:sldMk cId="1975307438" sldId="1097"/>
+            <ac:cxnSpMk id="6" creationId="{36256048-EAEC-1F88-4C17-046033DF4459}"/>
+          </ac:cxnSpMkLst>
+        </pc:cxnChg>
+        <pc:cxnChg chg="mod">
+          <ac:chgData name="佐藤 良治" userId="f476b825f67e9d69" providerId="LiveId" clId="{68E71BBB-1A9D-4E45-8549-07D081F59784}" dt="2022-12-26T06:36:38.570" v="472" actId="208"/>
+          <ac:cxnSpMkLst>
+            <pc:docMk/>
+            <pc:sldMk cId="1975307438" sldId="1097"/>
+            <ac:cxnSpMk id="8" creationId="{8E46F80F-6338-9D1C-E9FD-2E91A65EB58E}"/>
+          </ac:cxnSpMkLst>
+        </pc:cxnChg>
+        <pc:cxnChg chg="add mod">
+          <ac:chgData name="佐藤 良治" userId="f476b825f67e9d69" providerId="LiveId" clId="{68E71BBB-1A9D-4E45-8549-07D081F59784}" dt="2022-12-26T06:36:53.633" v="475" actId="1076"/>
+          <ac:cxnSpMkLst>
+            <pc:docMk/>
+            <pc:sldMk cId="1975307438" sldId="1097"/>
+            <ac:cxnSpMk id="10" creationId="{6C5B855E-C3F5-67EF-2720-BF8B6F8C260E}"/>
+          </ac:cxnSpMkLst>
+        </pc:cxnChg>
+        <pc:cxnChg chg="mod">
+          <ac:chgData name="佐藤 良治" userId="f476b825f67e9d69" providerId="LiveId" clId="{68E71BBB-1A9D-4E45-8549-07D081F59784}" dt="2022-12-26T06:35:22.094" v="460" actId="14100"/>
+          <ac:cxnSpMkLst>
+            <pc:docMk/>
+            <pc:sldMk cId="1975307438" sldId="1097"/>
+            <ac:cxnSpMk id="13" creationId="{CE5C3F59-E3C0-7F9F-5E76-22FD1E1B7CB1}"/>
+          </ac:cxnSpMkLst>
+        </pc:cxnChg>
+        <pc:cxnChg chg="mod">
+          <ac:chgData name="佐藤 良治" userId="f476b825f67e9d69" providerId="LiveId" clId="{68E71BBB-1A9D-4E45-8549-07D081F59784}" dt="2022-12-26T06:35:25.134" v="461" actId="14100"/>
+          <ac:cxnSpMkLst>
+            <pc:docMk/>
+            <pc:sldMk cId="1975307438" sldId="1097"/>
+            <ac:cxnSpMk id="14" creationId="{8D9F618D-8FB0-26DD-6BEC-4E0FAF95A05B}"/>
+          </ac:cxnSpMkLst>
+        </pc:cxnChg>
+        <pc:cxnChg chg="add mod">
+          <ac:chgData name="佐藤 良治" userId="f476b825f67e9d69" providerId="LiveId" clId="{68E71BBB-1A9D-4E45-8549-07D081F59784}" dt="2022-12-26T06:32:41.761" v="370" actId="1076"/>
+          <ac:cxnSpMkLst>
+            <pc:docMk/>
+            <pc:sldMk cId="1975307438" sldId="1097"/>
+            <ac:cxnSpMk id="17" creationId="{797EB280-7ECC-11A8-122E-78BE22E5A82A}"/>
+          </ac:cxnSpMkLst>
+        </pc:cxnChg>
+        <pc:cxnChg chg="mod">
+          <ac:chgData name="佐藤 良治" userId="f476b825f67e9d69" providerId="LiveId" clId="{68E71BBB-1A9D-4E45-8549-07D081F59784}" dt="2022-12-26T06:36:42.467" v="473" actId="208"/>
+          <ac:cxnSpMkLst>
+            <pc:docMk/>
+            <pc:sldMk cId="1975307438" sldId="1097"/>
+            <ac:cxnSpMk id="18" creationId="{2603BFD0-2D6B-ED2B-4698-C74122B8C159}"/>
+          </ac:cxnSpMkLst>
+        </pc:cxnChg>
+        <pc:cxnChg chg="add mod">
+          <ac:chgData name="佐藤 良治" userId="f476b825f67e9d69" providerId="LiveId" clId="{68E71BBB-1A9D-4E45-8549-07D081F59784}" dt="2022-12-26T06:35:31.339" v="464" actId="14100"/>
+          <ac:cxnSpMkLst>
+            <pc:docMk/>
+            <pc:sldMk cId="1975307438" sldId="1097"/>
+            <ac:cxnSpMk id="21" creationId="{27520338-C786-F638-C734-2A821E613531}"/>
+          </ac:cxnSpMkLst>
+        </pc:cxnChg>
+        <pc:cxnChg chg="add mod">
+          <ac:chgData name="佐藤 良治" userId="f476b825f67e9d69" providerId="LiveId" clId="{68E71BBB-1A9D-4E45-8549-07D081F59784}" dt="2022-12-26T06:36:14.117" v="470" actId="1076"/>
+          <ac:cxnSpMkLst>
+            <pc:docMk/>
+            <pc:sldMk cId="1975307438" sldId="1097"/>
+            <ac:cxnSpMk id="36" creationId="{112A3D5D-3642-85BD-CCFD-96743C0E58CD}"/>
+          </ac:cxnSpMkLst>
+        </pc:cxnChg>
       </pc:sldChg>
       <pc:sldChg chg="del">
         <pc:chgData name="佐藤 良治" userId="f476b825f67e9d69" providerId="LiveId" clId="{68E71BBB-1A9D-4E45-8549-07D081F59784}" dt="2022-12-26T04:45:45.617" v="10" actId="47"/>
@@ -1243,50 +1628,6 @@
             <a:pPr defTabSz="990414">
               <a:defRPr/>
             </a:pPr>
-            <a:r>
-              <a:rPr kumimoji="1" lang="ja-JP" altLang="en-US" dirty="0">
-                <a:latin typeface="Yu Gothic UI" panose="020B0500000000000000" pitchFamily="50" charset="-128"/>
-                <a:ea typeface="Yu Gothic UI" panose="020B0500000000000000" pitchFamily="50" charset="-128"/>
-              </a:rPr>
-              <a:t>みなさんは、</a:t>
-            </a:r>
-            <a:r>
-              <a:rPr kumimoji="1" lang="en-US" altLang="ja-JP" dirty="0">
-                <a:latin typeface="Yu Gothic UI" panose="020B0500000000000000" pitchFamily="50" charset="-128"/>
-                <a:ea typeface="Yu Gothic UI" panose="020B0500000000000000" pitchFamily="50" charset="-128"/>
-              </a:rPr>
-              <a:t>IT</a:t>
-            </a:r>
-            <a:r>
-              <a:rPr kumimoji="1" lang="ja-JP" altLang="en-US" dirty="0">
-                <a:latin typeface="Yu Gothic UI" panose="020B0500000000000000" pitchFamily="50" charset="-128"/>
-                <a:ea typeface="Yu Gothic UI" panose="020B0500000000000000" pitchFamily="50" charset="-128"/>
-              </a:rPr>
-              <a:t>を勉強しています。</a:t>
-            </a:r>
-            <a:endParaRPr kumimoji="1" lang="en-US" altLang="ja-JP" dirty="0">
-              <a:latin typeface="Yu Gothic UI" panose="020B0500000000000000" pitchFamily="50" charset="-128"/>
-              <a:ea typeface="Yu Gothic UI" panose="020B0500000000000000" pitchFamily="50" charset="-128"/>
-            </a:endParaRPr>
-          </a:p>
-          <a:p>
-            <a:pPr defTabSz="990414">
-              <a:defRPr/>
-            </a:pPr>
-            <a:r>
-              <a:rPr kumimoji="1" lang="ja-JP" altLang="en-US" dirty="0">
-                <a:latin typeface="Yu Gothic UI" panose="020B0500000000000000" pitchFamily="50" charset="-128"/>
-                <a:ea typeface="Yu Gothic UI" panose="020B0500000000000000" pitchFamily="50" charset="-128"/>
-              </a:rPr>
-              <a:t>以前、学生さんに「将来なにをするの？」と聞くと、よく「何をしたいのか模索している」という返事をもらいました。皆さんは、これから社会に出て、食べるために仕事をして、経済的自立を果たします。そのときに、制約を受け始めます。一方で、自分は何をしたいのか、自分探しをしていると思います。制約の中でやりたいことを追求するか、制約とやりたいことの妥協点を見つけるかです。いずれにせよ、流されず、自分をしっかり持つことが大事です</a:t>
-            </a:r>
-            <a:r>
-              <a:rPr kumimoji="1" lang="ja-JP" altLang="en-US" dirty="0">
-                <a:latin typeface="BIZ UDPゴシック" panose="020B0400000000000000" pitchFamily="50" charset="-128"/>
-                <a:ea typeface="BIZ UDPゴシック" panose="020B0400000000000000" pitchFamily="50" charset="-128"/>
-              </a:rPr>
-              <a:t>。</a:t>
-            </a:r>
             <a:endParaRPr kumimoji="1" lang="en-US" altLang="ja-JP" dirty="0">
               <a:latin typeface="BIZ UDPゴシック" panose="020B0400000000000000" pitchFamily="50" charset="-128"/>
               <a:ea typeface="BIZ UDPゴシック" panose="020B0400000000000000" pitchFamily="50" charset="-128"/>
@@ -1377,34 +1718,6 @@
             <a:pPr defTabSz="990414">
               <a:defRPr/>
             </a:pPr>
-            <a:r>
-              <a:rPr kumimoji="1" lang="ja-JP" altLang="en-US" dirty="0">
-                <a:latin typeface="Yu Gothic UI" panose="020B0500000000000000" pitchFamily="50" charset="-128"/>
-                <a:ea typeface="Yu Gothic UI" panose="020B0500000000000000" pitchFamily="50" charset="-128"/>
-              </a:rPr>
-              <a:t>みなさんが社会に出たとき、上司やお客様と話しをします。</a:t>
-            </a:r>
-            <a:r>
-              <a:rPr lang="ja-JP" altLang="en-US" i="1" dirty="0">
-                <a:latin typeface="Yu Gothic UI" panose="020B0500000000000000" pitchFamily="50" charset="-128"/>
-                <a:ea typeface="Yu Gothic UI" panose="020B0500000000000000" pitchFamily="50" charset="-128"/>
-              </a:rPr>
-              <a:t>これこれ、かく</a:t>
-            </a:r>
-            <a:r>
-              <a:rPr lang="ja-JP" altLang="en-US" dirty="0">
-                <a:latin typeface="Yu Gothic UI" panose="020B0500000000000000" pitchFamily="50" charset="-128"/>
-                <a:ea typeface="Yu Gothic UI" panose="020B0500000000000000" pitchFamily="50" charset="-128"/>
-              </a:rPr>
-              <a:t>かく、しかじかの</a:t>
-            </a:r>
-            <a:r>
-              <a:rPr kumimoji="1" lang="ja-JP" altLang="en-US" dirty="0">
-                <a:latin typeface="Yu Gothic UI" panose="020B0500000000000000" pitchFamily="50" charset="-128"/>
-                <a:ea typeface="Yu Gothic UI" panose="020B0500000000000000" pitchFamily="50" charset="-128"/>
-              </a:rPr>
-              <a:t>システムを作ってくれと、言われます。そういうとき、お客様の言う要望は、お客様の持つ課題を、実は解決しないということが、しばしばあります。たいてい、あーこー言われて作ってみたら、後になって、これはこうだったという揺り戻しがあります。お客様の満足を得るには、お客様が言う表面上の言葉にとらわれては、だめです。お客様の本当の課題と解決策まで、探らなければなりません。</a:t>
-            </a:r>
             <a:endParaRPr kumimoji="1" lang="en-US" altLang="ja-JP" dirty="0">
               <a:latin typeface="Yu Gothic UI" panose="020B0500000000000000" pitchFamily="50" charset="-128"/>
               <a:ea typeface="Yu Gothic UI" panose="020B0500000000000000" pitchFamily="50" charset="-128"/>
@@ -1492,53 +1805,6 @@
           <a:bodyPr/>
           <a:lstStyle/>
           <a:p>
-            <a:pPr marL="0" marR="0" lvl="0" indent="0" algn="l" defTabSz="914400" rtl="0" eaLnBrk="1" fontAlgn="auto" latinLnBrk="0" hangingPunct="1">
-              <a:lnSpc>
-                <a:spcPct val="100000"/>
-              </a:lnSpc>
-              <a:spcBef>
-                <a:spcPts val="0"/>
-              </a:spcBef>
-              <a:spcAft>
-                <a:spcPts val="0"/>
-              </a:spcAft>
-              <a:buClrTx/>
-              <a:buSzTx/>
-              <a:buFontTx/>
-              <a:buNone/>
-              <a:tabLst/>
-              <a:defRPr/>
-            </a:pPr>
-            <a:r>
-              <a:rPr kumimoji="1" lang="ja-JP" altLang="en-US" sz="1200" b="0" i="0" dirty="0">
-                <a:effectLst/>
-                <a:latin typeface="maruminold stdn r"/>
-              </a:rPr>
-              <a:t>人は、表面上はじめはドリルという手段を気にしていますが、実は穴をあけるという課題を気にしています。</a:t>
-            </a:r>
-            <a:r>
-              <a:rPr kumimoji="1" lang="ja-JP" altLang="en-US" dirty="0"/>
-              <a:t>ドリルは手段であり、穴をあけることが目的です。課題解決・目的達成のために、解決手段はいろいろありえますし、技術状況などによって変わりえます。そして、人は、ドリルにお金を払うのではなく、穴をあけることにお金を払います。価値は、手段</a:t>
-            </a:r>
-            <a:r>
-              <a:rPr kumimoji="1" lang="en-US" altLang="ja-JP" dirty="0"/>
-              <a:t>HOW</a:t>
-            </a:r>
-            <a:r>
-              <a:rPr kumimoji="1" lang="ja-JP" altLang="en-US" dirty="0"/>
-              <a:t>ではなく、目的</a:t>
-            </a:r>
-            <a:r>
-              <a:rPr kumimoji="1" lang="en-US" altLang="ja-JP" dirty="0"/>
-              <a:t>WHAT</a:t>
-            </a:r>
-            <a:r>
-              <a:rPr kumimoji="1" lang="ja-JP" altLang="en-US" dirty="0"/>
-              <a:t>にあります。</a:t>
-            </a:r>
-            <a:endParaRPr kumimoji="1" lang="en-US" altLang="ja-JP" dirty="0"/>
-          </a:p>
-          <a:p>
             <a:endParaRPr kumimoji="1" lang="ja-JP" altLang="en-US" dirty="0"/>
           </a:p>
         </p:txBody>
@@ -1623,13 +1889,6 @@
           <a:bodyPr/>
           <a:lstStyle/>
           <a:p>
-            <a:r>
-              <a:rPr kumimoji="1" lang="ja-JP" altLang="en-US" dirty="0">
-                <a:latin typeface="Yu Gothic UI" panose="020B0500000000000000" pitchFamily="50" charset="-128"/>
-                <a:ea typeface="Yu Gothic UI" panose="020B0500000000000000" pitchFamily="50" charset="-128"/>
-              </a:rPr>
-              <a:t>秀才は、地図を上手にたどれる人、答えがあるときに上手に見つけられる人のことです。日本の教科書教育のため、日本に、秀才はたくさんいます。</a:t>
-            </a:r>
             <a:endParaRPr kumimoji="1" lang="en-US" altLang="ja-JP" dirty="0">
               <a:latin typeface="Yu Gothic UI" panose="020B0500000000000000" pitchFamily="50" charset="-128"/>
               <a:ea typeface="Yu Gothic UI" panose="020B0500000000000000" pitchFamily="50" charset="-128"/>
@@ -1717,13 +1976,10 @@
           <a:bodyPr/>
           <a:lstStyle/>
           <a:p>
-            <a:r>
-              <a:rPr kumimoji="1" lang="ja-JP" altLang="en-US" dirty="0">
-                <a:latin typeface="Yu Gothic UI" panose="020B0500000000000000" pitchFamily="50" charset="-128"/>
-                <a:ea typeface="Yu Gothic UI" panose="020B0500000000000000" pitchFamily="50" charset="-128"/>
-              </a:rPr>
-              <a:t>リーダーは、何もないところに地図を描く人、答えがないところに答えを見つける人です。日本に秀才は多いですが、リーダーは少ないです。この授業は、リーダーのためのものです。</a:t>
-            </a:r>
+            <a:endParaRPr kumimoji="1" lang="ja-JP" altLang="en-US" dirty="0">
+              <a:latin typeface="Yu Gothic UI" panose="020B0500000000000000" pitchFamily="50" charset="-128"/>
+              <a:ea typeface="Yu Gothic UI" panose="020B0500000000000000" pitchFamily="50" charset="-128"/>
+            </a:endParaRPr>
           </a:p>
         </p:txBody>
       </p:sp>
@@ -1754,6 +2010,90 @@
     <p:extLst>
       <p:ext uri="{BB962C8B-B14F-4D97-AF65-F5344CB8AC3E}">
         <p14:creationId xmlns:p14="http://schemas.microsoft.com/office/powerpoint/2010/main" val="4206901165"/>
+      </p:ext>
+    </p:extLst>
+  </p:cSld>
+  <p:clrMapOvr>
+    <a:masterClrMapping/>
+  </p:clrMapOvr>
+</p:notes>
+</file>
+
+<file path=ppt/notesSlides/notesSlide6.xml><?xml version="1.0" encoding="utf-8"?>
+<p:notes xmlns:a="http://schemas.openxmlformats.org/drawingml/2006/main" xmlns:r="http://schemas.openxmlformats.org/officeDocument/2006/relationships" xmlns:p="http://schemas.openxmlformats.org/presentationml/2006/main">
+  <p:cSld>
+    <p:spTree>
+      <p:nvGrpSpPr>
+        <p:cNvPr id="1" name=""/>
+        <p:cNvGrpSpPr/>
+        <p:nvPr/>
+      </p:nvGrpSpPr>
+      <p:grpSpPr>
+        <a:xfrm>
+          <a:off x="0" y="0"/>
+          <a:ext cx="0" cy="0"/>
+          <a:chOff x="0" y="0"/>
+          <a:chExt cx="0" cy="0"/>
+        </a:xfrm>
+      </p:grpSpPr>
+      <p:sp>
+        <p:nvSpPr>
+          <p:cNvPr id="2" name="スライド イメージ プレースホルダー 1"/>
+          <p:cNvSpPr>
+            <a:spLocks noGrp="1" noRot="1" noChangeAspect="1"/>
+          </p:cNvSpPr>
+          <p:nvPr>
+            <p:ph type="sldImg"/>
+          </p:nvPr>
+        </p:nvSpPr>
+        <p:spPr/>
+      </p:sp>
+      <p:sp>
+        <p:nvSpPr>
+          <p:cNvPr id="3" name="ノート プレースホルダー 2"/>
+          <p:cNvSpPr>
+            <a:spLocks noGrp="1"/>
+          </p:cNvSpPr>
+          <p:nvPr>
+            <p:ph type="body" idx="1"/>
+          </p:nvPr>
+        </p:nvSpPr>
+        <p:spPr/>
+        <p:txBody>
+          <a:bodyPr/>
+          <a:lstStyle/>
+          <a:p>
+            <a:endParaRPr kumimoji="1" lang="en-US" altLang="ja-JP" dirty="0"/>
+          </a:p>
+        </p:txBody>
+      </p:sp>
+      <p:sp>
+        <p:nvSpPr>
+          <p:cNvPr id="4" name="スライド番号プレースホルダー 3"/>
+          <p:cNvSpPr>
+            <a:spLocks noGrp="1"/>
+          </p:cNvSpPr>
+          <p:nvPr>
+            <p:ph type="sldNum" sz="quarter" idx="5"/>
+          </p:nvPr>
+        </p:nvSpPr>
+        <p:spPr/>
+        <p:txBody>
+          <a:bodyPr/>
+          <a:lstStyle/>
+          <a:p>
+            <a:fld id="{911E5643-7514-4389-ABF2-19767AC89280}" type="slidenum">
+              <a:rPr kumimoji="1" lang="ja-JP" altLang="en-US" smtClean="0"/>
+              <a:t>8</a:t>
+            </a:fld>
+            <a:endParaRPr kumimoji="1" lang="ja-JP" altLang="en-US"/>
+          </a:p>
+        </p:txBody>
+      </p:sp>
+    </p:spTree>
+    <p:extLst>
+      <p:ext uri="{BB962C8B-B14F-4D97-AF65-F5344CB8AC3E}">
+        <p14:creationId xmlns:p14="http://schemas.microsoft.com/office/powerpoint/2010/main" val="2697410455"/>
       </p:ext>
     </p:extLst>
   </p:cSld>
@@ -5492,11 +5832,11 @@
   <p:clrMapOvr>
     <a:masterClrMapping/>
   </p:clrMapOvr>
-  <mc:AlternateContent xmlns:mc="http://schemas.openxmlformats.org/markup-compatibility/2006">
-    <mc:Choice xmlns:p14="http://schemas.microsoft.com/office/powerpoint/2010/main" Requires="p14">
+  <mc:AlternateContent xmlns:mc="http://schemas.openxmlformats.org/markup-compatibility/2006" xmlns:p14="http://schemas.microsoft.com/office/powerpoint/2010/main">
+    <mc:Choice Requires="p14">
       <p:transition p14:dur="0"/>
     </mc:Choice>
-    <mc:Fallback>
+    <mc:Fallback xmlns="">
       <p:transition/>
     </mc:Fallback>
   </mc:AlternateContent>
@@ -5622,11 +5962,11 @@
   <p:clrMapOvr>
     <a:masterClrMapping/>
   </p:clrMapOvr>
-  <mc:AlternateContent xmlns:mc="http://schemas.openxmlformats.org/markup-compatibility/2006">
-    <mc:Choice xmlns:p14="http://schemas.microsoft.com/office/powerpoint/2010/main" Requires="p14">
+  <mc:AlternateContent xmlns:mc="http://schemas.openxmlformats.org/markup-compatibility/2006" xmlns:p14="http://schemas.microsoft.com/office/powerpoint/2010/main">
+    <mc:Choice Requires="p14">
       <p:transition p14:dur="0"/>
     </mc:Choice>
-    <mc:Fallback>
+    <mc:Fallback xmlns="">
       <p:transition/>
     </mc:Fallback>
   </mc:AlternateContent>
@@ -5676,46 +6016,40 @@
             <a:r>
               <a:rPr lang="ja-JP" altLang="en-US" sz="4000" i="0" dirty="0">
                 <a:effectLst/>
-                <a:latin typeface="BIZ UDPゴシック" panose="020B0400000000000000" pitchFamily="50" charset="-128"/>
-                <a:ea typeface="BIZ UDPゴシック" panose="020B0400000000000000" pitchFamily="50" charset="-128"/>
+                <a:latin typeface="+mj-ea"/>
               </a:rPr>
               <a:t>「ドリルを買いにきた人が欲しいのは、ドリルではなく</a:t>
             </a:r>
             <a:r>
               <a:rPr lang="en-US" altLang="ja-JP" sz="4000" i="0" dirty="0">
                 <a:effectLst/>
-                <a:latin typeface="BIZ UDPゴシック" panose="020B0400000000000000" pitchFamily="50" charset="-128"/>
-                <a:ea typeface="BIZ UDPゴシック" panose="020B0400000000000000" pitchFamily="50" charset="-128"/>
+                <a:latin typeface="+mj-ea"/>
               </a:rPr>
               <a:t>『</a:t>
             </a:r>
             <a:r>
               <a:rPr lang="ja-JP" altLang="en-US" sz="4000" i="0" dirty="0">
                 <a:effectLst/>
-                <a:latin typeface="BIZ UDPゴシック" panose="020B0400000000000000" pitchFamily="50" charset="-128"/>
-                <a:ea typeface="BIZ UDPゴシック" panose="020B0400000000000000" pitchFamily="50" charset="-128"/>
+                <a:latin typeface="+mj-ea"/>
               </a:rPr>
               <a:t>穴</a:t>
             </a:r>
             <a:r>
               <a:rPr lang="en-US" altLang="ja-JP" sz="4000" i="0" dirty="0">
                 <a:effectLst/>
-                <a:latin typeface="BIZ UDPゴシック" panose="020B0400000000000000" pitchFamily="50" charset="-128"/>
-                <a:ea typeface="BIZ UDPゴシック" panose="020B0400000000000000" pitchFamily="50" charset="-128"/>
+                <a:latin typeface="+mj-ea"/>
               </a:rPr>
               <a:t>』</a:t>
             </a:r>
             <a:r>
               <a:rPr lang="ja-JP" altLang="en-US" sz="4000" i="0" dirty="0">
                 <a:effectLst/>
-                <a:latin typeface="BIZ UDPゴシック" panose="020B0400000000000000" pitchFamily="50" charset="-128"/>
-                <a:ea typeface="BIZ UDPゴシック" panose="020B0400000000000000" pitchFamily="50" charset="-128"/>
+                <a:latin typeface="+mj-ea"/>
               </a:rPr>
               <a:t>である」</a:t>
             </a:r>
             <a:endParaRPr kumimoji="1" lang="ja-JP" altLang="en-US" sz="4000" dirty="0">
-              <a:latin typeface="BIZ UDPゴシック" panose="020B0400000000000000" pitchFamily="50" charset="-128"/>
-              <a:ea typeface="BIZ UDPゴシック" panose="020B0400000000000000" pitchFamily="50" charset="-128"/>
+              <a:latin typeface="+mj-ea"/>
             </a:endParaRPr>
           </a:p>
         </p:txBody>
@@ -5811,8 +6145,8 @@
         </p:nvSpPr>
         <p:spPr>
           <a:xfrm>
-            <a:off x="7820159" y="4314474"/>
-            <a:ext cx="1580882" cy="1938992"/>
+            <a:off x="7903515" y="4314474"/>
+            <a:ext cx="1414170" cy="1938992"/>
           </a:xfrm>
           <a:prstGeom prst="rect">
             <a:avLst/>
@@ -5828,8 +6162,7 @@
             <a:pPr algn="ctr"/>
             <a:r>
               <a:rPr kumimoji="1" lang="en-US" altLang="ja-JP" sz="4000" dirty="0">
-                <a:latin typeface="BIZ UDPゴシック" panose="020B0400000000000000" pitchFamily="50" charset="-128"/>
-                <a:ea typeface="BIZ UDPゴシック" panose="020B0400000000000000" pitchFamily="50" charset="-128"/>
+                <a:latin typeface="+mn-ea"/>
               </a:rPr>
               <a:t>HOW</a:t>
             </a:r>
@@ -5838,22 +6171,19 @@
             <a:pPr algn="ctr"/>
             <a:r>
               <a:rPr lang="ja-JP" altLang="en-US" sz="4000" dirty="0">
-                <a:latin typeface="BIZ UDPゴシック" panose="020B0400000000000000" pitchFamily="50" charset="-128"/>
-                <a:ea typeface="BIZ UDPゴシック" panose="020B0400000000000000" pitchFamily="50" charset="-128"/>
+                <a:latin typeface="+mn-ea"/>
               </a:rPr>
               <a:t>手段</a:t>
             </a:r>
             <a:endParaRPr lang="en-US" altLang="ja-JP" sz="4000" dirty="0">
-              <a:latin typeface="BIZ UDPゴシック" panose="020B0400000000000000" pitchFamily="50" charset="-128"/>
-              <a:ea typeface="BIZ UDPゴシック" panose="020B0400000000000000" pitchFamily="50" charset="-128"/>
+              <a:latin typeface="+mn-ea"/>
             </a:endParaRPr>
           </a:p>
           <a:p>
             <a:pPr algn="ctr"/>
             <a:r>
               <a:rPr kumimoji="1" lang="ja-JP" altLang="en-US" sz="4000" dirty="0">
-                <a:latin typeface="BIZ UDPゴシック" panose="020B0400000000000000" pitchFamily="50" charset="-128"/>
-                <a:ea typeface="BIZ UDPゴシック" panose="020B0400000000000000" pitchFamily="50" charset="-128"/>
+                <a:latin typeface="+mn-ea"/>
               </a:rPr>
               <a:t>技術</a:t>
             </a:r>
@@ -5890,9 +6220,8 @@
           <a:p>
             <a:pPr algn="ctr"/>
             <a:r>
-              <a:rPr kumimoji="1" lang="en-US" altLang="ja-JP" sz="4000" b="1" dirty="0">
-                <a:latin typeface="BIZ UDPゴシック" panose="020B0400000000000000" pitchFamily="50" charset="-128"/>
-                <a:ea typeface="BIZ UDPゴシック" panose="020B0400000000000000" pitchFamily="50" charset="-128"/>
+              <a:rPr kumimoji="1" lang="en-US" altLang="ja-JP" sz="4000" dirty="0">
+                <a:latin typeface="+mn-ea"/>
               </a:rPr>
               <a:t>WHAT</a:t>
             </a:r>
@@ -5900,23 +6229,20 @@
           <a:p>
             <a:pPr algn="ctr"/>
             <a:r>
-              <a:rPr lang="ja-JP" altLang="en-US" sz="4000" b="1" dirty="0">
-                <a:latin typeface="BIZ UDPゴシック" panose="020B0400000000000000" pitchFamily="50" charset="-128"/>
-                <a:ea typeface="BIZ UDPゴシック" panose="020B0400000000000000" pitchFamily="50" charset="-128"/>
+              <a:rPr lang="ja-JP" altLang="en-US" sz="4000" dirty="0">
+                <a:latin typeface="+mn-ea"/>
               </a:rPr>
               <a:t>課題解決、目的達成</a:t>
             </a:r>
-            <a:endParaRPr lang="en-US" altLang="ja-JP" sz="4000" b="1" dirty="0">
-              <a:latin typeface="BIZ UDPゴシック" panose="020B0400000000000000" pitchFamily="50" charset="-128"/>
-              <a:ea typeface="BIZ UDPゴシック" panose="020B0400000000000000" pitchFamily="50" charset="-128"/>
+            <a:endParaRPr lang="en-US" altLang="ja-JP" sz="4000" dirty="0">
+              <a:latin typeface="+mn-ea"/>
             </a:endParaRPr>
           </a:p>
           <a:p>
             <a:pPr algn="ctr"/>
             <a:r>
-              <a:rPr kumimoji="1" lang="ja-JP" altLang="en-US" sz="4000" b="1" dirty="0">
-                <a:latin typeface="BIZ UDPゴシック" panose="020B0400000000000000" pitchFamily="50" charset="-128"/>
-                <a:ea typeface="BIZ UDPゴシック" panose="020B0400000000000000" pitchFamily="50" charset="-128"/>
+              <a:rPr kumimoji="1" lang="ja-JP" altLang="en-US" sz="4000" dirty="0">
+                <a:latin typeface="+mn-ea"/>
               </a:rPr>
               <a:t>価値</a:t>
             </a:r>
@@ -5933,11 +6259,11 @@
   <p:clrMapOvr>
     <a:masterClrMapping/>
   </p:clrMapOvr>
-  <mc:AlternateContent xmlns:mc="http://schemas.openxmlformats.org/markup-compatibility/2006">
-    <mc:Choice xmlns:p14="http://schemas.microsoft.com/office/powerpoint/2010/main" Requires="p14">
+  <mc:AlternateContent xmlns:mc="http://schemas.openxmlformats.org/markup-compatibility/2006" xmlns:p14="http://schemas.microsoft.com/office/powerpoint/2010/main">
+    <mc:Choice Requires="p14">
       <p:transition p14:dur="0"/>
     </mc:Choice>
-    <mc:Fallback>
+    <mc:Fallback xmlns="">
       <p:transition/>
     </mc:Fallback>
   </mc:AlternateContent>
@@ -6143,11 +6469,11 @@
   <p:clrMapOvr>
     <a:masterClrMapping/>
   </p:clrMapOvr>
-  <mc:AlternateContent xmlns:mc="http://schemas.openxmlformats.org/markup-compatibility/2006">
-    <mc:Choice xmlns:p14="http://schemas.microsoft.com/office/powerpoint/2010/main" Requires="p14">
+  <mc:AlternateContent xmlns:mc="http://schemas.openxmlformats.org/markup-compatibility/2006" xmlns:p14="http://schemas.microsoft.com/office/powerpoint/2010/main">
+    <mc:Choice Requires="p14">
       <p:transition p14:dur="0"/>
     </mc:Choice>
-    <mc:Fallback>
+    <mc:Fallback xmlns="">
       <p:transition/>
     </mc:Fallback>
   </mc:AlternateContent>
@@ -6358,12 +6684,1969 @@
   <p:clrMapOvr>
     <a:masterClrMapping/>
   </p:clrMapOvr>
+  <mc:AlternateContent xmlns:mc="http://schemas.openxmlformats.org/markup-compatibility/2006" xmlns:p14="http://schemas.microsoft.com/office/powerpoint/2010/main">
+    <mc:Choice Requires="p14">
+      <p:transition p14:dur="0"/>
+    </mc:Choice>
+    <mc:Fallback xmlns="">
+      <p:transition/>
+    </mc:Fallback>
+  </mc:AlternateContent>
+</p:sld>
+</file>
+
+<file path=ppt/slides/slide6.xml><?xml version="1.0" encoding="utf-8"?>
+<p:sld xmlns:a="http://schemas.openxmlformats.org/drawingml/2006/main" xmlns:r="http://schemas.openxmlformats.org/officeDocument/2006/relationships" xmlns:p="http://schemas.openxmlformats.org/presentationml/2006/main">
+  <p:cSld>
+    <p:spTree>
+      <p:nvGrpSpPr>
+        <p:cNvPr id="1" name=""/>
+        <p:cNvGrpSpPr/>
+        <p:nvPr/>
+      </p:nvGrpSpPr>
+      <p:grpSpPr>
+        <a:xfrm>
+          <a:off x="0" y="0"/>
+          <a:ext cx="0" cy="0"/>
+          <a:chOff x="0" y="0"/>
+          <a:chExt cx="0" cy="0"/>
+        </a:xfrm>
+      </p:grpSpPr>
+      <p:sp>
+        <p:nvSpPr>
+          <p:cNvPr id="2" name="タイトル 1">
+            <a:extLst>
+              <a:ext uri="{FF2B5EF4-FFF2-40B4-BE49-F238E27FC236}">
+                <a16:creationId xmlns:a16="http://schemas.microsoft.com/office/drawing/2014/main" id="{75773653-E4CD-E63F-870A-14B85FC45371}"/>
+              </a:ext>
+            </a:extLst>
+          </p:cNvPr>
+          <p:cNvSpPr>
+            <a:spLocks noGrp="1"/>
+          </p:cNvSpPr>
+          <p:nvPr>
+            <p:ph type="title"/>
+          </p:nvPr>
+        </p:nvSpPr>
+        <p:spPr/>
+        <p:txBody>
+          <a:bodyPr/>
+          <a:lstStyle/>
+          <a:p>
+            <a:r>
+              <a:rPr lang="ja-JP" altLang="en-US" dirty="0"/>
+              <a:t>破壊的イノベーション</a:t>
+            </a:r>
+            <a:endParaRPr kumimoji="1" lang="ja-JP" altLang="en-US" dirty="0"/>
+          </a:p>
+        </p:txBody>
+      </p:sp>
+      <p:cxnSp>
+        <p:nvCxnSpPr>
+          <p:cNvPr id="6" name="直線矢印コネクタ 5">
+            <a:extLst>
+              <a:ext uri="{FF2B5EF4-FFF2-40B4-BE49-F238E27FC236}">
+                <a16:creationId xmlns:a16="http://schemas.microsoft.com/office/drawing/2014/main" id="{36256048-EAEC-1F88-4C17-046033DF4459}"/>
+              </a:ext>
+            </a:extLst>
+          </p:cNvPr>
+          <p:cNvCxnSpPr/>
+          <p:nvPr/>
+        </p:nvCxnSpPr>
+        <p:spPr>
+          <a:xfrm flipV="1">
+            <a:off x="1962538" y="2733869"/>
+            <a:ext cx="0" cy="3461657"/>
+          </a:xfrm>
+          <a:prstGeom prst="straightConnector1">
+            <a:avLst/>
+          </a:prstGeom>
+          <a:ln w="38100">
+            <a:tailEnd type="triangle"/>
+          </a:ln>
+        </p:spPr>
+        <p:style>
+          <a:lnRef idx="1">
+            <a:schemeClr val="accent1"/>
+          </a:lnRef>
+          <a:fillRef idx="0">
+            <a:schemeClr val="accent1"/>
+          </a:fillRef>
+          <a:effectRef idx="0">
+            <a:schemeClr val="accent1"/>
+          </a:effectRef>
+          <a:fontRef idx="minor">
+            <a:schemeClr val="tx1"/>
+          </a:fontRef>
+        </p:style>
+      </p:cxnSp>
+      <p:cxnSp>
+        <p:nvCxnSpPr>
+          <p:cNvPr id="8" name="直線矢印コネクタ 7">
+            <a:extLst>
+              <a:ext uri="{FF2B5EF4-FFF2-40B4-BE49-F238E27FC236}">
+                <a16:creationId xmlns:a16="http://schemas.microsoft.com/office/drawing/2014/main" id="{8E46F80F-6338-9D1C-E9FD-2E91A65EB58E}"/>
+              </a:ext>
+            </a:extLst>
+          </p:cNvPr>
+          <p:cNvCxnSpPr/>
+          <p:nvPr/>
+        </p:nvCxnSpPr>
+        <p:spPr>
+          <a:xfrm>
+            <a:off x="1962538" y="6195526"/>
+            <a:ext cx="8266923" cy="0"/>
+          </a:xfrm>
+          <a:prstGeom prst="straightConnector1">
+            <a:avLst/>
+          </a:prstGeom>
+          <a:ln w="38100">
+            <a:tailEnd type="triangle"/>
+          </a:ln>
+        </p:spPr>
+        <p:style>
+          <a:lnRef idx="1">
+            <a:schemeClr val="accent1"/>
+          </a:lnRef>
+          <a:fillRef idx="0">
+            <a:schemeClr val="accent1"/>
+          </a:fillRef>
+          <a:effectRef idx="0">
+            <a:schemeClr val="accent1"/>
+          </a:effectRef>
+          <a:fontRef idx="minor">
+            <a:schemeClr val="tx1"/>
+          </a:fontRef>
+        </p:style>
+      </p:cxnSp>
+      <p:sp>
+        <p:nvSpPr>
+          <p:cNvPr id="9" name="テキスト ボックス 8">
+            <a:extLst>
+              <a:ext uri="{FF2B5EF4-FFF2-40B4-BE49-F238E27FC236}">
+                <a16:creationId xmlns:a16="http://schemas.microsoft.com/office/drawing/2014/main" id="{A0358F3A-968E-E8D1-DF1F-1C7D44473EEF}"/>
+              </a:ext>
+            </a:extLst>
+          </p:cNvPr>
+          <p:cNvSpPr txBox="1"/>
+          <p:nvPr/>
+        </p:nvSpPr>
+        <p:spPr>
+          <a:xfrm>
+            <a:off x="10422294" y="5964693"/>
+            <a:ext cx="800219" cy="461665"/>
+          </a:xfrm>
+          <a:prstGeom prst="rect">
+            <a:avLst/>
+          </a:prstGeom>
+          <a:noFill/>
+        </p:spPr>
+        <p:txBody>
+          <a:bodyPr wrap="none" rtlCol="0">
+            <a:spAutoFit/>
+          </a:bodyPr>
+          <a:lstStyle/>
+          <a:p>
+            <a:r>
+              <a:rPr kumimoji="1" lang="ja-JP" altLang="en-US" sz="2400" dirty="0">
+                <a:latin typeface="+mn-ea"/>
+              </a:rPr>
+              <a:t>時間</a:t>
+            </a:r>
+          </a:p>
+        </p:txBody>
+      </p:sp>
+      <p:sp>
+        <p:nvSpPr>
+          <p:cNvPr id="11" name="テキスト ボックス 10">
+            <a:extLst>
+              <a:ext uri="{FF2B5EF4-FFF2-40B4-BE49-F238E27FC236}">
+                <a16:creationId xmlns:a16="http://schemas.microsoft.com/office/drawing/2014/main" id="{DD837FD1-537D-E9EE-7FCE-DC95FCC1FD93}"/>
+              </a:ext>
+            </a:extLst>
+          </p:cNvPr>
+          <p:cNvSpPr txBox="1"/>
+          <p:nvPr/>
+        </p:nvSpPr>
+        <p:spPr>
+          <a:xfrm>
+            <a:off x="1562428" y="2154693"/>
+            <a:ext cx="800219" cy="461665"/>
+          </a:xfrm>
+          <a:prstGeom prst="rect">
+            <a:avLst/>
+          </a:prstGeom>
+          <a:noFill/>
+        </p:spPr>
+        <p:txBody>
+          <a:bodyPr wrap="none" rtlCol="0">
+            <a:spAutoFit/>
+          </a:bodyPr>
+          <a:lstStyle/>
+          <a:p>
+            <a:r>
+              <a:rPr kumimoji="1" lang="ja-JP" altLang="en-US" sz="2400" dirty="0">
+                <a:latin typeface="+mn-ea"/>
+              </a:rPr>
+              <a:t>性能</a:t>
+            </a:r>
+          </a:p>
+        </p:txBody>
+      </p:sp>
+      <p:cxnSp>
+        <p:nvCxnSpPr>
+          <p:cNvPr id="13" name="直線矢印コネクタ 12">
+            <a:extLst>
+              <a:ext uri="{FF2B5EF4-FFF2-40B4-BE49-F238E27FC236}">
+                <a16:creationId xmlns:a16="http://schemas.microsoft.com/office/drawing/2014/main" id="{CE5C3F59-E3C0-7F9F-5E76-22FD1E1B7CB1}"/>
+              </a:ext>
+            </a:extLst>
+          </p:cNvPr>
+          <p:cNvCxnSpPr>
+            <a:cxnSpLocks/>
+          </p:cNvCxnSpPr>
+          <p:nvPr/>
+        </p:nvCxnSpPr>
+        <p:spPr>
+          <a:xfrm flipV="1">
+            <a:off x="1936757" y="2239964"/>
+            <a:ext cx="6068908" cy="2520333"/>
+          </a:xfrm>
+          <a:prstGeom prst="straightConnector1">
+            <a:avLst/>
+          </a:prstGeom>
+          <a:ln w="57150">
+            <a:solidFill>
+              <a:srgbClr val="002060"/>
+            </a:solidFill>
+            <a:tailEnd type="triangle"/>
+          </a:ln>
+        </p:spPr>
+        <p:style>
+          <a:lnRef idx="1">
+            <a:schemeClr val="accent1"/>
+          </a:lnRef>
+          <a:fillRef idx="0">
+            <a:schemeClr val="accent1"/>
+          </a:fillRef>
+          <a:effectRef idx="0">
+            <a:schemeClr val="accent1"/>
+          </a:effectRef>
+          <a:fontRef idx="minor">
+            <a:schemeClr val="tx1"/>
+          </a:fontRef>
+        </p:style>
+      </p:cxnSp>
+      <p:cxnSp>
+        <p:nvCxnSpPr>
+          <p:cNvPr id="14" name="直線矢印コネクタ 13">
+            <a:extLst>
+              <a:ext uri="{FF2B5EF4-FFF2-40B4-BE49-F238E27FC236}">
+                <a16:creationId xmlns:a16="http://schemas.microsoft.com/office/drawing/2014/main" id="{8D9F618D-8FB0-26DD-6BEC-4E0FAF95A05B}"/>
+              </a:ext>
+            </a:extLst>
+          </p:cNvPr>
+          <p:cNvCxnSpPr>
+            <a:cxnSpLocks/>
+          </p:cNvCxnSpPr>
+          <p:nvPr/>
+        </p:nvCxnSpPr>
+        <p:spPr>
+          <a:xfrm flipV="1">
+            <a:off x="3387012" y="3029041"/>
+            <a:ext cx="5439747" cy="2504012"/>
+          </a:xfrm>
+          <a:prstGeom prst="straightConnector1">
+            <a:avLst/>
+          </a:prstGeom>
+          <a:ln w="57150">
+            <a:solidFill>
+              <a:srgbClr val="002060"/>
+            </a:solidFill>
+            <a:tailEnd type="triangle"/>
+          </a:ln>
+        </p:spPr>
+        <p:style>
+          <a:lnRef idx="1">
+            <a:schemeClr val="accent1"/>
+          </a:lnRef>
+          <a:fillRef idx="0">
+            <a:schemeClr val="accent1"/>
+          </a:fillRef>
+          <a:effectRef idx="0">
+            <a:schemeClr val="accent1"/>
+          </a:effectRef>
+          <a:fontRef idx="minor">
+            <a:schemeClr val="tx1"/>
+          </a:fontRef>
+        </p:style>
+      </p:cxnSp>
+      <p:sp>
+        <p:nvSpPr>
+          <p:cNvPr id="15" name="テキスト ボックス 14">
+            <a:extLst>
+              <a:ext uri="{FF2B5EF4-FFF2-40B4-BE49-F238E27FC236}">
+                <a16:creationId xmlns:a16="http://schemas.microsoft.com/office/drawing/2014/main" id="{F3865FB8-4C94-232D-B0D6-9500D6F90B36}"/>
+              </a:ext>
+            </a:extLst>
+          </p:cNvPr>
+          <p:cNvSpPr txBox="1"/>
+          <p:nvPr/>
+        </p:nvSpPr>
+        <p:spPr>
+          <a:xfrm>
+            <a:off x="2684107" y="2837365"/>
+            <a:ext cx="3097323" cy="400110"/>
+          </a:xfrm>
+          <a:prstGeom prst="rect">
+            <a:avLst/>
+          </a:prstGeom>
+          <a:noFill/>
+        </p:spPr>
+        <p:txBody>
+          <a:bodyPr wrap="none" rtlCol="0">
+            <a:spAutoFit/>
+          </a:bodyPr>
+          <a:lstStyle/>
+          <a:p>
+            <a:r>
+              <a:rPr kumimoji="1" lang="ja-JP" altLang="en-US" sz="2000" b="1" dirty="0"/>
+              <a:t>先行企業による持続的改良</a:t>
+            </a:r>
+          </a:p>
+        </p:txBody>
+      </p:sp>
+      <p:sp>
+        <p:nvSpPr>
+          <p:cNvPr id="16" name="テキスト ボックス 15">
+            <a:extLst>
+              <a:ext uri="{FF2B5EF4-FFF2-40B4-BE49-F238E27FC236}">
+                <a16:creationId xmlns:a16="http://schemas.microsoft.com/office/drawing/2014/main" id="{422E9DB6-053E-898B-FE2E-B2CB7BE91005}"/>
+              </a:ext>
+            </a:extLst>
+          </p:cNvPr>
+          <p:cNvSpPr txBox="1"/>
+          <p:nvPr/>
+        </p:nvSpPr>
+        <p:spPr>
+          <a:xfrm>
+            <a:off x="4332853" y="5013489"/>
+            <a:ext cx="2840842" cy="400110"/>
+          </a:xfrm>
+          <a:prstGeom prst="rect">
+            <a:avLst/>
+          </a:prstGeom>
+          <a:noFill/>
+        </p:spPr>
+        <p:txBody>
+          <a:bodyPr wrap="none" rtlCol="0">
+            <a:spAutoFit/>
+          </a:bodyPr>
+          <a:lstStyle/>
+          <a:p>
+            <a:r>
+              <a:rPr kumimoji="1" lang="ja-JP" altLang="en-US" sz="2000" b="1" dirty="0"/>
+              <a:t>後続企業による性能改善</a:t>
+            </a:r>
+          </a:p>
+        </p:txBody>
+      </p:sp>
+      <p:cxnSp>
+        <p:nvCxnSpPr>
+          <p:cNvPr id="18" name="直線コネクタ 17">
+            <a:extLst>
+              <a:ext uri="{FF2B5EF4-FFF2-40B4-BE49-F238E27FC236}">
+                <a16:creationId xmlns:a16="http://schemas.microsoft.com/office/drawing/2014/main" id="{2603BFD0-2D6B-ED2B-4698-C74122B8C159}"/>
+              </a:ext>
+            </a:extLst>
+          </p:cNvPr>
+          <p:cNvCxnSpPr>
+            <a:cxnSpLocks/>
+          </p:cNvCxnSpPr>
+          <p:nvPr/>
+        </p:nvCxnSpPr>
+        <p:spPr>
+          <a:xfrm flipV="1">
+            <a:off x="2446832" y="3756194"/>
+            <a:ext cx="7082832" cy="295393"/>
+          </a:xfrm>
+          <a:prstGeom prst="line">
+            <a:avLst/>
+          </a:prstGeom>
+          <a:ln w="38100">
+            <a:prstDash val="sysDash"/>
+          </a:ln>
+        </p:spPr>
+        <p:style>
+          <a:lnRef idx="1">
+            <a:schemeClr val="accent1"/>
+          </a:lnRef>
+          <a:fillRef idx="0">
+            <a:schemeClr val="accent1"/>
+          </a:fillRef>
+          <a:effectRef idx="0">
+            <a:schemeClr val="accent1"/>
+          </a:effectRef>
+          <a:fontRef idx="minor">
+            <a:schemeClr val="tx1"/>
+          </a:fontRef>
+        </p:style>
+      </p:cxnSp>
+      <p:sp>
+        <p:nvSpPr>
+          <p:cNvPr id="23" name="テキスト ボックス 22">
+            <a:extLst>
+              <a:ext uri="{FF2B5EF4-FFF2-40B4-BE49-F238E27FC236}">
+                <a16:creationId xmlns:a16="http://schemas.microsoft.com/office/drawing/2014/main" id="{722468F7-EFDE-7579-5AE9-8CFFB0030382}"/>
+              </a:ext>
+            </a:extLst>
+          </p:cNvPr>
+          <p:cNvSpPr txBox="1"/>
+          <p:nvPr/>
+        </p:nvSpPr>
+        <p:spPr>
+          <a:xfrm>
+            <a:off x="8308032" y="3828825"/>
+            <a:ext cx="2512226" cy="400110"/>
+          </a:xfrm>
+          <a:prstGeom prst="rect">
+            <a:avLst/>
+          </a:prstGeom>
+          <a:noFill/>
+        </p:spPr>
+        <p:txBody>
+          <a:bodyPr wrap="none" rtlCol="0">
+            <a:spAutoFit/>
+          </a:bodyPr>
+          <a:lstStyle/>
+          <a:p>
+            <a:r>
+              <a:rPr kumimoji="1" lang="ja-JP" altLang="en-US" sz="2000" b="1" dirty="0"/>
+              <a:t>市場で求められる性能</a:t>
+            </a:r>
+          </a:p>
+        </p:txBody>
+      </p:sp>
+      <p:sp>
+        <p:nvSpPr>
+          <p:cNvPr id="24" name="矢印: 下 23">
+            <a:extLst>
+              <a:ext uri="{FF2B5EF4-FFF2-40B4-BE49-F238E27FC236}">
+                <a16:creationId xmlns:a16="http://schemas.microsoft.com/office/drawing/2014/main" id="{1B3E4E03-B129-504E-276E-75A3F740D5C0}"/>
+              </a:ext>
+            </a:extLst>
+          </p:cNvPr>
+          <p:cNvSpPr/>
+          <p:nvPr/>
+        </p:nvSpPr>
+        <p:spPr>
+          <a:xfrm rot="20239953">
+            <a:off x="6490678" y="2832705"/>
+            <a:ext cx="994549" cy="955250"/>
+          </a:xfrm>
+          <a:prstGeom prst="downArrow">
+            <a:avLst/>
+          </a:prstGeom>
+        </p:spPr>
+        <p:style>
+          <a:lnRef idx="1">
+            <a:schemeClr val="accent2"/>
+          </a:lnRef>
+          <a:fillRef idx="2">
+            <a:schemeClr val="accent2"/>
+          </a:fillRef>
+          <a:effectRef idx="1">
+            <a:schemeClr val="accent2"/>
+          </a:effectRef>
+          <a:fontRef idx="minor">
+            <a:schemeClr val="dk1"/>
+          </a:fontRef>
+        </p:style>
+        <p:txBody>
+          <a:bodyPr rtlCol="0" anchor="ctr"/>
+          <a:lstStyle/>
+          <a:p>
+            <a:pPr algn="ctr"/>
+            <a:endParaRPr kumimoji="1" lang="ja-JP" altLang="en-US" dirty="0"/>
+          </a:p>
+        </p:txBody>
+      </p:sp>
+    </p:spTree>
+    <p:extLst>
+      <p:ext uri="{BB962C8B-B14F-4D97-AF65-F5344CB8AC3E}">
+        <p14:creationId xmlns:p14="http://schemas.microsoft.com/office/powerpoint/2010/main" val="3024002542"/>
+      </p:ext>
+    </p:extLst>
+  </p:cSld>
+  <p:clrMapOvr>
+    <a:masterClrMapping/>
+  </p:clrMapOvr>
   <mc:AlternateContent xmlns:mc="http://schemas.openxmlformats.org/markup-compatibility/2006">
     <mc:Choice xmlns:p14="http://schemas.microsoft.com/office/powerpoint/2010/main" Requires="p14">
       <p:transition p14:dur="0"/>
     </mc:Choice>
     <mc:Fallback>
       <p:transition/>
+    </mc:Fallback>
+  </mc:AlternateContent>
+</p:sld>
+</file>
+
+<file path=ppt/slides/slide7.xml><?xml version="1.0" encoding="utf-8"?>
+<p:sld xmlns:a="http://schemas.openxmlformats.org/drawingml/2006/main" xmlns:r="http://schemas.openxmlformats.org/officeDocument/2006/relationships" xmlns:p="http://schemas.openxmlformats.org/presentationml/2006/main">
+  <p:cSld>
+    <p:spTree>
+      <p:nvGrpSpPr>
+        <p:cNvPr id="1" name=""/>
+        <p:cNvGrpSpPr/>
+        <p:nvPr/>
+      </p:nvGrpSpPr>
+      <p:grpSpPr>
+        <a:xfrm>
+          <a:off x="0" y="0"/>
+          <a:ext cx="0" cy="0"/>
+          <a:chOff x="0" y="0"/>
+          <a:chExt cx="0" cy="0"/>
+        </a:xfrm>
+      </p:grpSpPr>
+      <p:sp>
+        <p:nvSpPr>
+          <p:cNvPr id="2" name="タイトル 1">
+            <a:extLst>
+              <a:ext uri="{FF2B5EF4-FFF2-40B4-BE49-F238E27FC236}">
+                <a16:creationId xmlns:a16="http://schemas.microsoft.com/office/drawing/2014/main" id="{75773653-E4CD-E63F-870A-14B85FC45371}"/>
+              </a:ext>
+            </a:extLst>
+          </p:cNvPr>
+          <p:cNvSpPr>
+            <a:spLocks noGrp="1"/>
+          </p:cNvSpPr>
+          <p:nvPr>
+            <p:ph type="title"/>
+          </p:nvPr>
+        </p:nvSpPr>
+        <p:spPr/>
+        <p:txBody>
+          <a:bodyPr/>
+          <a:lstStyle/>
+          <a:p>
+            <a:r>
+              <a:rPr lang="ja-JP" altLang="en-US" dirty="0"/>
+              <a:t>ローエンド型破壊と新市場型破壊</a:t>
+            </a:r>
+            <a:endParaRPr kumimoji="1" lang="ja-JP" altLang="en-US" dirty="0"/>
+          </a:p>
+        </p:txBody>
+      </p:sp>
+      <p:cxnSp>
+        <p:nvCxnSpPr>
+          <p:cNvPr id="6" name="直線矢印コネクタ 5">
+            <a:extLst>
+              <a:ext uri="{FF2B5EF4-FFF2-40B4-BE49-F238E27FC236}">
+                <a16:creationId xmlns:a16="http://schemas.microsoft.com/office/drawing/2014/main" id="{36256048-EAEC-1F88-4C17-046033DF4459}"/>
+              </a:ext>
+            </a:extLst>
+          </p:cNvPr>
+          <p:cNvCxnSpPr>
+            <a:cxnSpLocks/>
+          </p:cNvCxnSpPr>
+          <p:nvPr/>
+        </p:nvCxnSpPr>
+        <p:spPr>
+          <a:xfrm flipV="1">
+            <a:off x="1973170" y="2184593"/>
+            <a:ext cx="0" cy="2799184"/>
+          </a:xfrm>
+          <a:prstGeom prst="straightConnector1">
+            <a:avLst/>
+          </a:prstGeom>
+          <a:ln w="38100">
+            <a:solidFill>
+              <a:schemeClr val="accent1">
+                <a:lumMod val="40000"/>
+                <a:lumOff val="60000"/>
+              </a:schemeClr>
+            </a:solidFill>
+            <a:tailEnd type="triangle"/>
+          </a:ln>
+        </p:spPr>
+        <p:style>
+          <a:lnRef idx="1">
+            <a:schemeClr val="accent1"/>
+          </a:lnRef>
+          <a:fillRef idx="0">
+            <a:schemeClr val="accent1"/>
+          </a:fillRef>
+          <a:effectRef idx="0">
+            <a:schemeClr val="accent1"/>
+          </a:effectRef>
+          <a:fontRef idx="minor">
+            <a:schemeClr val="tx1"/>
+          </a:fontRef>
+        </p:style>
+      </p:cxnSp>
+      <p:cxnSp>
+        <p:nvCxnSpPr>
+          <p:cNvPr id="8" name="直線矢印コネクタ 7">
+            <a:extLst>
+              <a:ext uri="{FF2B5EF4-FFF2-40B4-BE49-F238E27FC236}">
+                <a16:creationId xmlns:a16="http://schemas.microsoft.com/office/drawing/2014/main" id="{8E46F80F-6338-9D1C-E9FD-2E91A65EB58E}"/>
+              </a:ext>
+            </a:extLst>
+          </p:cNvPr>
+          <p:cNvCxnSpPr/>
+          <p:nvPr/>
+        </p:nvCxnSpPr>
+        <p:spPr>
+          <a:xfrm>
+            <a:off x="1973170" y="4984139"/>
+            <a:ext cx="8266923" cy="0"/>
+          </a:xfrm>
+          <a:prstGeom prst="straightConnector1">
+            <a:avLst/>
+          </a:prstGeom>
+          <a:ln w="38100">
+            <a:solidFill>
+              <a:schemeClr val="accent1">
+                <a:lumMod val="40000"/>
+                <a:lumOff val="60000"/>
+              </a:schemeClr>
+            </a:solidFill>
+            <a:tailEnd type="triangle"/>
+          </a:ln>
+        </p:spPr>
+        <p:style>
+          <a:lnRef idx="1">
+            <a:schemeClr val="accent1"/>
+          </a:lnRef>
+          <a:fillRef idx="0">
+            <a:schemeClr val="accent1"/>
+          </a:fillRef>
+          <a:effectRef idx="0">
+            <a:schemeClr val="accent1"/>
+          </a:effectRef>
+          <a:fontRef idx="minor">
+            <a:schemeClr val="tx1"/>
+          </a:fontRef>
+        </p:style>
+      </p:cxnSp>
+      <p:sp>
+        <p:nvSpPr>
+          <p:cNvPr id="9" name="テキスト ボックス 8">
+            <a:extLst>
+              <a:ext uri="{FF2B5EF4-FFF2-40B4-BE49-F238E27FC236}">
+                <a16:creationId xmlns:a16="http://schemas.microsoft.com/office/drawing/2014/main" id="{A0358F3A-968E-E8D1-DF1F-1C7D44473EEF}"/>
+              </a:ext>
+            </a:extLst>
+          </p:cNvPr>
+          <p:cNvSpPr txBox="1"/>
+          <p:nvPr/>
+        </p:nvSpPr>
+        <p:spPr>
+          <a:xfrm>
+            <a:off x="10380054" y="4806855"/>
+            <a:ext cx="800219" cy="461665"/>
+          </a:xfrm>
+          <a:prstGeom prst="rect">
+            <a:avLst/>
+          </a:prstGeom>
+          <a:noFill/>
+        </p:spPr>
+        <p:txBody>
+          <a:bodyPr wrap="none" rtlCol="0">
+            <a:spAutoFit/>
+          </a:bodyPr>
+          <a:lstStyle/>
+          <a:p>
+            <a:r>
+              <a:rPr kumimoji="1" lang="ja-JP" altLang="en-US" sz="2400" dirty="0">
+                <a:latin typeface="+mn-ea"/>
+              </a:rPr>
+              <a:t>時間</a:t>
+            </a:r>
+          </a:p>
+        </p:txBody>
+      </p:sp>
+      <p:sp>
+        <p:nvSpPr>
+          <p:cNvPr id="11" name="テキスト ボックス 10">
+            <a:extLst>
+              <a:ext uri="{FF2B5EF4-FFF2-40B4-BE49-F238E27FC236}">
+                <a16:creationId xmlns:a16="http://schemas.microsoft.com/office/drawing/2014/main" id="{DD837FD1-537D-E9EE-7FCE-DC95FCC1FD93}"/>
+              </a:ext>
+            </a:extLst>
+          </p:cNvPr>
+          <p:cNvSpPr txBox="1"/>
+          <p:nvPr/>
+        </p:nvSpPr>
+        <p:spPr>
+          <a:xfrm>
+            <a:off x="1573060" y="1605417"/>
+            <a:ext cx="800219" cy="461665"/>
+          </a:xfrm>
+          <a:prstGeom prst="rect">
+            <a:avLst/>
+          </a:prstGeom>
+          <a:noFill/>
+        </p:spPr>
+        <p:txBody>
+          <a:bodyPr wrap="none" rtlCol="0">
+            <a:spAutoFit/>
+          </a:bodyPr>
+          <a:lstStyle/>
+          <a:p>
+            <a:r>
+              <a:rPr kumimoji="1" lang="ja-JP" altLang="en-US" sz="2400" dirty="0">
+                <a:latin typeface="+mn-ea"/>
+              </a:rPr>
+              <a:t>性能</a:t>
+            </a:r>
+          </a:p>
+        </p:txBody>
+      </p:sp>
+      <p:cxnSp>
+        <p:nvCxnSpPr>
+          <p:cNvPr id="13" name="直線矢印コネクタ 12">
+            <a:extLst>
+              <a:ext uri="{FF2B5EF4-FFF2-40B4-BE49-F238E27FC236}">
+                <a16:creationId xmlns:a16="http://schemas.microsoft.com/office/drawing/2014/main" id="{CE5C3F59-E3C0-7F9F-5E76-22FD1E1B7CB1}"/>
+              </a:ext>
+            </a:extLst>
+          </p:cNvPr>
+          <p:cNvCxnSpPr>
+            <a:cxnSpLocks/>
+          </p:cNvCxnSpPr>
+          <p:nvPr/>
+        </p:nvCxnSpPr>
+        <p:spPr>
+          <a:xfrm flipV="1">
+            <a:off x="1995976" y="2115589"/>
+            <a:ext cx="5188351" cy="2064833"/>
+          </a:xfrm>
+          <a:prstGeom prst="straightConnector1">
+            <a:avLst/>
+          </a:prstGeom>
+          <a:ln w="57150">
+            <a:solidFill>
+              <a:srgbClr val="002060"/>
+            </a:solidFill>
+            <a:tailEnd type="triangle"/>
+          </a:ln>
+        </p:spPr>
+        <p:style>
+          <a:lnRef idx="1">
+            <a:schemeClr val="accent1"/>
+          </a:lnRef>
+          <a:fillRef idx="0">
+            <a:schemeClr val="accent1"/>
+          </a:fillRef>
+          <a:effectRef idx="0">
+            <a:schemeClr val="accent1"/>
+          </a:effectRef>
+          <a:fontRef idx="minor">
+            <a:schemeClr val="tx1"/>
+          </a:fontRef>
+        </p:style>
+      </p:cxnSp>
+      <p:cxnSp>
+        <p:nvCxnSpPr>
+          <p:cNvPr id="14" name="直線矢印コネクタ 13">
+            <a:extLst>
+              <a:ext uri="{FF2B5EF4-FFF2-40B4-BE49-F238E27FC236}">
+                <a16:creationId xmlns:a16="http://schemas.microsoft.com/office/drawing/2014/main" id="{8D9F618D-8FB0-26DD-6BEC-4E0FAF95A05B}"/>
+              </a:ext>
+            </a:extLst>
+          </p:cNvPr>
+          <p:cNvCxnSpPr>
+            <a:cxnSpLocks/>
+          </p:cNvCxnSpPr>
+          <p:nvPr/>
+        </p:nvCxnSpPr>
+        <p:spPr>
+          <a:xfrm flipV="1">
+            <a:off x="2434659" y="2445193"/>
+            <a:ext cx="4978258" cy="2535754"/>
+          </a:xfrm>
+          <a:prstGeom prst="straightConnector1">
+            <a:avLst/>
+          </a:prstGeom>
+          <a:ln w="57150">
+            <a:solidFill>
+              <a:srgbClr val="002060"/>
+            </a:solidFill>
+            <a:tailEnd type="triangle"/>
+          </a:ln>
+        </p:spPr>
+        <p:style>
+          <a:lnRef idx="1">
+            <a:schemeClr val="accent1"/>
+          </a:lnRef>
+          <a:fillRef idx="0">
+            <a:schemeClr val="accent1"/>
+          </a:fillRef>
+          <a:effectRef idx="0">
+            <a:schemeClr val="accent1"/>
+          </a:effectRef>
+          <a:fontRef idx="minor">
+            <a:schemeClr val="tx1"/>
+          </a:fontRef>
+        </p:style>
+      </p:cxnSp>
+      <p:sp>
+        <p:nvSpPr>
+          <p:cNvPr id="15" name="テキスト ボックス 14">
+            <a:extLst>
+              <a:ext uri="{FF2B5EF4-FFF2-40B4-BE49-F238E27FC236}">
+                <a16:creationId xmlns:a16="http://schemas.microsoft.com/office/drawing/2014/main" id="{F3865FB8-4C94-232D-B0D6-9500D6F90B36}"/>
+              </a:ext>
+            </a:extLst>
+          </p:cNvPr>
+          <p:cNvSpPr txBox="1"/>
+          <p:nvPr/>
+        </p:nvSpPr>
+        <p:spPr>
+          <a:xfrm>
+            <a:off x="2694739" y="2288089"/>
+            <a:ext cx="2504212" cy="338554"/>
+          </a:xfrm>
+          <a:prstGeom prst="rect">
+            <a:avLst/>
+          </a:prstGeom>
+          <a:noFill/>
+        </p:spPr>
+        <p:txBody>
+          <a:bodyPr wrap="none" rtlCol="0">
+            <a:spAutoFit/>
+          </a:bodyPr>
+          <a:lstStyle/>
+          <a:p>
+            <a:r>
+              <a:rPr kumimoji="1" lang="ja-JP" altLang="en-US" sz="1600" dirty="0"/>
+              <a:t>先行企業による持続的改良</a:t>
+            </a:r>
+          </a:p>
+        </p:txBody>
+      </p:sp>
+      <p:cxnSp>
+        <p:nvCxnSpPr>
+          <p:cNvPr id="18" name="直線コネクタ 17">
+            <a:extLst>
+              <a:ext uri="{FF2B5EF4-FFF2-40B4-BE49-F238E27FC236}">
+                <a16:creationId xmlns:a16="http://schemas.microsoft.com/office/drawing/2014/main" id="{2603BFD0-2D6B-ED2B-4698-C74122B8C159}"/>
+              </a:ext>
+            </a:extLst>
+          </p:cNvPr>
+          <p:cNvCxnSpPr>
+            <a:cxnSpLocks/>
+          </p:cNvCxnSpPr>
+          <p:nvPr/>
+        </p:nvCxnSpPr>
+        <p:spPr>
+          <a:xfrm flipV="1">
+            <a:off x="1973169" y="2890593"/>
+            <a:ext cx="7567127" cy="376348"/>
+          </a:xfrm>
+          <a:prstGeom prst="line">
+            <a:avLst/>
+          </a:prstGeom>
+          <a:ln w="38100">
+            <a:solidFill>
+              <a:schemeClr val="accent1">
+                <a:lumMod val="40000"/>
+                <a:lumOff val="60000"/>
+              </a:schemeClr>
+            </a:solidFill>
+            <a:prstDash val="sysDash"/>
+          </a:ln>
+        </p:spPr>
+        <p:style>
+          <a:lnRef idx="1">
+            <a:schemeClr val="accent1"/>
+          </a:lnRef>
+          <a:fillRef idx="0">
+            <a:schemeClr val="accent1"/>
+          </a:fillRef>
+          <a:effectRef idx="0">
+            <a:schemeClr val="accent1"/>
+          </a:effectRef>
+          <a:fontRef idx="minor">
+            <a:schemeClr val="tx1"/>
+          </a:fontRef>
+        </p:style>
+      </p:cxnSp>
+      <p:sp>
+        <p:nvSpPr>
+          <p:cNvPr id="24" name="矢印: 下 23">
+            <a:extLst>
+              <a:ext uri="{FF2B5EF4-FFF2-40B4-BE49-F238E27FC236}">
+                <a16:creationId xmlns:a16="http://schemas.microsoft.com/office/drawing/2014/main" id="{1B3E4E03-B129-504E-276E-75A3F740D5C0}"/>
+              </a:ext>
+            </a:extLst>
+          </p:cNvPr>
+          <p:cNvSpPr/>
+          <p:nvPr/>
+        </p:nvSpPr>
+        <p:spPr>
+          <a:xfrm rot="20239953">
+            <a:off x="5771951" y="2537262"/>
+            <a:ext cx="994549" cy="446961"/>
+          </a:xfrm>
+          <a:prstGeom prst="downArrow">
+            <a:avLst/>
+          </a:prstGeom>
+        </p:spPr>
+        <p:style>
+          <a:lnRef idx="1">
+            <a:schemeClr val="accent2"/>
+          </a:lnRef>
+          <a:fillRef idx="2">
+            <a:schemeClr val="accent2"/>
+          </a:fillRef>
+          <a:effectRef idx="1">
+            <a:schemeClr val="accent2"/>
+          </a:effectRef>
+          <a:fontRef idx="minor">
+            <a:schemeClr val="dk1"/>
+          </a:fontRef>
+        </p:style>
+        <p:txBody>
+          <a:bodyPr rtlCol="0" anchor="ctr"/>
+          <a:lstStyle/>
+          <a:p>
+            <a:pPr algn="ctr"/>
+            <a:endParaRPr kumimoji="1" lang="ja-JP" altLang="en-US" dirty="0"/>
+          </a:p>
+        </p:txBody>
+      </p:sp>
+      <p:cxnSp>
+        <p:nvCxnSpPr>
+          <p:cNvPr id="5" name="直線矢印コネクタ 4">
+            <a:extLst>
+              <a:ext uri="{FF2B5EF4-FFF2-40B4-BE49-F238E27FC236}">
+                <a16:creationId xmlns:a16="http://schemas.microsoft.com/office/drawing/2014/main" id="{30DF82D8-678A-937A-8506-D0813BD225EC}"/>
+              </a:ext>
+            </a:extLst>
+          </p:cNvPr>
+          <p:cNvCxnSpPr>
+            <a:cxnSpLocks/>
+          </p:cNvCxnSpPr>
+          <p:nvPr/>
+        </p:nvCxnSpPr>
+        <p:spPr>
+          <a:xfrm flipH="1">
+            <a:off x="1254642" y="4983777"/>
+            <a:ext cx="732939" cy="1204372"/>
+          </a:xfrm>
+          <a:prstGeom prst="straightConnector1">
+            <a:avLst/>
+          </a:prstGeom>
+          <a:ln w="38100">
+            <a:solidFill>
+              <a:schemeClr val="accent1">
+                <a:lumMod val="40000"/>
+                <a:lumOff val="60000"/>
+              </a:schemeClr>
+            </a:solidFill>
+            <a:tailEnd type="triangle"/>
+          </a:ln>
+        </p:spPr>
+        <p:style>
+          <a:lnRef idx="1">
+            <a:schemeClr val="accent1"/>
+          </a:lnRef>
+          <a:fillRef idx="0">
+            <a:schemeClr val="accent1"/>
+          </a:fillRef>
+          <a:effectRef idx="0">
+            <a:schemeClr val="accent1"/>
+          </a:effectRef>
+          <a:fontRef idx="minor">
+            <a:schemeClr val="tx1"/>
+          </a:fontRef>
+        </p:style>
+      </p:cxnSp>
+      <p:cxnSp>
+        <p:nvCxnSpPr>
+          <p:cNvPr id="10" name="直線矢印コネクタ 9">
+            <a:extLst>
+              <a:ext uri="{FF2B5EF4-FFF2-40B4-BE49-F238E27FC236}">
+                <a16:creationId xmlns:a16="http://schemas.microsoft.com/office/drawing/2014/main" id="{6C5B855E-C3F5-67EF-2720-BF8B6F8C260E}"/>
+              </a:ext>
+            </a:extLst>
+          </p:cNvPr>
+          <p:cNvCxnSpPr>
+            <a:cxnSpLocks/>
+          </p:cNvCxnSpPr>
+          <p:nvPr/>
+        </p:nvCxnSpPr>
+        <p:spPr>
+          <a:xfrm flipV="1">
+            <a:off x="1254642" y="3388965"/>
+            <a:ext cx="0" cy="2799184"/>
+          </a:xfrm>
+          <a:prstGeom prst="straightConnector1">
+            <a:avLst/>
+          </a:prstGeom>
+          <a:ln w="38100">
+            <a:tailEnd type="triangle"/>
+          </a:ln>
+        </p:spPr>
+        <p:style>
+          <a:lnRef idx="1">
+            <a:schemeClr val="accent1"/>
+          </a:lnRef>
+          <a:fillRef idx="0">
+            <a:schemeClr val="accent1"/>
+          </a:fillRef>
+          <a:effectRef idx="0">
+            <a:schemeClr val="accent1"/>
+          </a:effectRef>
+          <a:fontRef idx="minor">
+            <a:schemeClr val="tx1"/>
+          </a:fontRef>
+        </p:style>
+      </p:cxnSp>
+      <p:sp>
+        <p:nvSpPr>
+          <p:cNvPr id="12" name="テキスト ボックス 11">
+            <a:extLst>
+              <a:ext uri="{FF2B5EF4-FFF2-40B4-BE49-F238E27FC236}">
+                <a16:creationId xmlns:a16="http://schemas.microsoft.com/office/drawing/2014/main" id="{E248D21A-3AD6-FBE6-FBBB-C9FAACB6E64E}"/>
+              </a:ext>
+            </a:extLst>
+          </p:cNvPr>
+          <p:cNvSpPr txBox="1"/>
+          <p:nvPr/>
+        </p:nvSpPr>
+        <p:spPr>
+          <a:xfrm>
+            <a:off x="382654" y="2973210"/>
+            <a:ext cx="1604927" cy="461665"/>
+          </a:xfrm>
+          <a:prstGeom prst="rect">
+            <a:avLst/>
+          </a:prstGeom>
+          <a:noFill/>
+        </p:spPr>
+        <p:txBody>
+          <a:bodyPr wrap="none" rtlCol="0">
+            <a:spAutoFit/>
+          </a:bodyPr>
+          <a:lstStyle/>
+          <a:p>
+            <a:r>
+              <a:rPr kumimoji="1" lang="ja-JP" altLang="en-US" sz="2400" dirty="0">
+                <a:latin typeface="+mn-ea"/>
+              </a:rPr>
+              <a:t>異なる性能</a:t>
+            </a:r>
+          </a:p>
+        </p:txBody>
+      </p:sp>
+      <p:cxnSp>
+        <p:nvCxnSpPr>
+          <p:cNvPr id="17" name="直線矢印コネクタ 16">
+            <a:extLst>
+              <a:ext uri="{FF2B5EF4-FFF2-40B4-BE49-F238E27FC236}">
+                <a16:creationId xmlns:a16="http://schemas.microsoft.com/office/drawing/2014/main" id="{797EB280-7ECC-11A8-122E-78BE22E5A82A}"/>
+              </a:ext>
+            </a:extLst>
+          </p:cNvPr>
+          <p:cNvCxnSpPr/>
+          <p:nvPr/>
+        </p:nvCxnSpPr>
+        <p:spPr>
+          <a:xfrm>
+            <a:off x="1273373" y="6188149"/>
+            <a:ext cx="8266923" cy="0"/>
+          </a:xfrm>
+          <a:prstGeom prst="straightConnector1">
+            <a:avLst/>
+          </a:prstGeom>
+          <a:ln w="38100">
+            <a:tailEnd type="triangle"/>
+          </a:ln>
+        </p:spPr>
+        <p:style>
+          <a:lnRef idx="1">
+            <a:schemeClr val="accent1"/>
+          </a:lnRef>
+          <a:fillRef idx="0">
+            <a:schemeClr val="accent1"/>
+          </a:fillRef>
+          <a:effectRef idx="0">
+            <a:schemeClr val="accent1"/>
+          </a:effectRef>
+          <a:fontRef idx="minor">
+            <a:schemeClr val="tx1"/>
+          </a:fontRef>
+        </p:style>
+      </p:cxnSp>
+      <p:sp>
+        <p:nvSpPr>
+          <p:cNvPr id="19" name="テキスト ボックス 18">
+            <a:extLst>
+              <a:ext uri="{FF2B5EF4-FFF2-40B4-BE49-F238E27FC236}">
+                <a16:creationId xmlns:a16="http://schemas.microsoft.com/office/drawing/2014/main" id="{AE46A658-4249-3683-D9EB-9B83A8E05640}"/>
+              </a:ext>
+            </a:extLst>
+          </p:cNvPr>
+          <p:cNvSpPr txBox="1"/>
+          <p:nvPr/>
+        </p:nvSpPr>
+        <p:spPr>
+          <a:xfrm>
+            <a:off x="9680257" y="6010865"/>
+            <a:ext cx="800219" cy="461665"/>
+          </a:xfrm>
+          <a:prstGeom prst="rect">
+            <a:avLst/>
+          </a:prstGeom>
+          <a:noFill/>
+        </p:spPr>
+        <p:txBody>
+          <a:bodyPr wrap="none" rtlCol="0">
+            <a:spAutoFit/>
+          </a:bodyPr>
+          <a:lstStyle/>
+          <a:p>
+            <a:r>
+              <a:rPr kumimoji="1" lang="ja-JP" altLang="en-US" sz="2400" dirty="0">
+                <a:latin typeface="+mn-ea"/>
+              </a:rPr>
+              <a:t>時間</a:t>
+            </a:r>
+          </a:p>
+        </p:txBody>
+      </p:sp>
+      <p:cxnSp>
+        <p:nvCxnSpPr>
+          <p:cNvPr id="21" name="直線矢印コネクタ 20">
+            <a:extLst>
+              <a:ext uri="{FF2B5EF4-FFF2-40B4-BE49-F238E27FC236}">
+                <a16:creationId xmlns:a16="http://schemas.microsoft.com/office/drawing/2014/main" id="{27520338-C786-F638-C734-2A821E613531}"/>
+              </a:ext>
+            </a:extLst>
+          </p:cNvPr>
+          <p:cNvCxnSpPr>
+            <a:cxnSpLocks/>
+          </p:cNvCxnSpPr>
+          <p:nvPr/>
+        </p:nvCxnSpPr>
+        <p:spPr>
+          <a:xfrm flipV="1">
+            <a:off x="2294698" y="3713070"/>
+            <a:ext cx="4701525" cy="2422898"/>
+          </a:xfrm>
+          <a:prstGeom prst="straightConnector1">
+            <a:avLst/>
+          </a:prstGeom>
+          <a:ln w="57150">
+            <a:solidFill>
+              <a:srgbClr val="002060"/>
+            </a:solidFill>
+            <a:tailEnd type="triangle"/>
+          </a:ln>
+        </p:spPr>
+        <p:style>
+          <a:lnRef idx="1">
+            <a:schemeClr val="accent1"/>
+          </a:lnRef>
+          <a:fillRef idx="0">
+            <a:schemeClr val="accent1"/>
+          </a:fillRef>
+          <a:effectRef idx="0">
+            <a:schemeClr val="accent1"/>
+          </a:effectRef>
+          <a:fontRef idx="minor">
+            <a:schemeClr val="tx1"/>
+          </a:fontRef>
+        </p:style>
+      </p:cxnSp>
+      <p:sp>
+        <p:nvSpPr>
+          <p:cNvPr id="27" name="テキスト ボックス 26">
+            <a:extLst>
+              <a:ext uri="{FF2B5EF4-FFF2-40B4-BE49-F238E27FC236}">
+                <a16:creationId xmlns:a16="http://schemas.microsoft.com/office/drawing/2014/main" id="{691C2614-7FCD-2D72-78F4-A376B194CE45}"/>
+              </a:ext>
+            </a:extLst>
+          </p:cNvPr>
+          <p:cNvSpPr txBox="1"/>
+          <p:nvPr/>
+        </p:nvSpPr>
+        <p:spPr>
+          <a:xfrm>
+            <a:off x="7397463" y="2216002"/>
+            <a:ext cx="2234907" cy="461665"/>
+          </a:xfrm>
+          <a:prstGeom prst="rect">
+            <a:avLst/>
+          </a:prstGeom>
+          <a:noFill/>
+        </p:spPr>
+        <p:txBody>
+          <a:bodyPr wrap="none" rtlCol="0">
+            <a:spAutoFit/>
+          </a:bodyPr>
+          <a:lstStyle/>
+          <a:p>
+            <a:r>
+              <a:rPr lang="ja-JP" altLang="en-US" sz="2400" b="1" dirty="0"/>
+              <a:t>ローエンド型破壊</a:t>
+            </a:r>
+            <a:endParaRPr kumimoji="1" lang="ja-JP" altLang="en-US" sz="2400" b="1" dirty="0"/>
+          </a:p>
+        </p:txBody>
+      </p:sp>
+      <p:sp>
+        <p:nvSpPr>
+          <p:cNvPr id="28" name="テキスト ボックス 27">
+            <a:extLst>
+              <a:ext uri="{FF2B5EF4-FFF2-40B4-BE49-F238E27FC236}">
+                <a16:creationId xmlns:a16="http://schemas.microsoft.com/office/drawing/2014/main" id="{16183EA4-0327-FCD9-E5B6-E9DDA27A1359}"/>
+              </a:ext>
+            </a:extLst>
+          </p:cNvPr>
+          <p:cNvSpPr txBox="1"/>
+          <p:nvPr/>
+        </p:nvSpPr>
+        <p:spPr>
+          <a:xfrm>
+            <a:off x="250085" y="6191342"/>
+            <a:ext cx="2401619" cy="461665"/>
+          </a:xfrm>
+          <a:prstGeom prst="rect">
+            <a:avLst/>
+          </a:prstGeom>
+          <a:noFill/>
+        </p:spPr>
+        <p:txBody>
+          <a:bodyPr wrap="none" rtlCol="0">
+            <a:spAutoFit/>
+          </a:bodyPr>
+          <a:lstStyle/>
+          <a:p>
+            <a:r>
+              <a:rPr kumimoji="1" lang="ja-JP" altLang="en-US" sz="2400" dirty="0">
+                <a:latin typeface="+mn-ea"/>
+              </a:rPr>
+              <a:t>無消費だった市場</a:t>
+            </a:r>
+          </a:p>
+        </p:txBody>
+      </p:sp>
+      <p:sp>
+        <p:nvSpPr>
+          <p:cNvPr id="29" name="テキスト ボックス 28">
+            <a:extLst>
+              <a:ext uri="{FF2B5EF4-FFF2-40B4-BE49-F238E27FC236}">
+                <a16:creationId xmlns:a16="http://schemas.microsoft.com/office/drawing/2014/main" id="{4277CA87-0949-CE2F-EFC7-0C12E71AFD10}"/>
+              </a:ext>
+            </a:extLst>
+          </p:cNvPr>
+          <p:cNvSpPr txBox="1"/>
+          <p:nvPr/>
+        </p:nvSpPr>
+        <p:spPr>
+          <a:xfrm>
+            <a:off x="3574488" y="5395522"/>
+            <a:ext cx="2031325" cy="461665"/>
+          </a:xfrm>
+          <a:prstGeom prst="rect">
+            <a:avLst/>
+          </a:prstGeom>
+          <a:noFill/>
+        </p:spPr>
+        <p:txBody>
+          <a:bodyPr wrap="none" rtlCol="0">
+            <a:spAutoFit/>
+          </a:bodyPr>
+          <a:lstStyle/>
+          <a:p>
+            <a:r>
+              <a:rPr lang="ja-JP" altLang="en-US" sz="2400" b="1" dirty="0"/>
+              <a:t>新市場型破壊</a:t>
+            </a:r>
+            <a:endParaRPr kumimoji="1" lang="ja-JP" altLang="en-US" sz="2400" b="1" dirty="0"/>
+          </a:p>
+        </p:txBody>
+      </p:sp>
+      <p:cxnSp>
+        <p:nvCxnSpPr>
+          <p:cNvPr id="36" name="直線コネクタ 35">
+            <a:extLst>
+              <a:ext uri="{FF2B5EF4-FFF2-40B4-BE49-F238E27FC236}">
+                <a16:creationId xmlns:a16="http://schemas.microsoft.com/office/drawing/2014/main" id="{112A3D5D-3642-85BD-CCFD-96743C0E58CD}"/>
+              </a:ext>
+            </a:extLst>
+          </p:cNvPr>
+          <p:cNvCxnSpPr>
+            <a:cxnSpLocks/>
+          </p:cNvCxnSpPr>
+          <p:nvPr/>
+        </p:nvCxnSpPr>
+        <p:spPr>
+          <a:xfrm flipV="1">
+            <a:off x="1273373" y="5155167"/>
+            <a:ext cx="7567127" cy="376348"/>
+          </a:xfrm>
+          <a:prstGeom prst="line">
+            <a:avLst/>
+          </a:prstGeom>
+          <a:ln w="38100">
+            <a:prstDash val="sysDash"/>
+          </a:ln>
+        </p:spPr>
+        <p:style>
+          <a:lnRef idx="1">
+            <a:schemeClr val="accent1"/>
+          </a:lnRef>
+          <a:fillRef idx="0">
+            <a:schemeClr val="accent1"/>
+          </a:fillRef>
+          <a:effectRef idx="0">
+            <a:schemeClr val="accent1"/>
+          </a:effectRef>
+          <a:fontRef idx="minor">
+            <a:schemeClr val="tx1"/>
+          </a:fontRef>
+        </p:style>
+      </p:cxnSp>
+    </p:spTree>
+    <p:extLst>
+      <p:ext uri="{BB962C8B-B14F-4D97-AF65-F5344CB8AC3E}">
+        <p14:creationId xmlns:p14="http://schemas.microsoft.com/office/powerpoint/2010/main" val="1975307438"/>
+      </p:ext>
+    </p:extLst>
+  </p:cSld>
+  <p:clrMapOvr>
+    <a:masterClrMapping/>
+  </p:clrMapOvr>
+  <mc:AlternateContent xmlns:mc="http://schemas.openxmlformats.org/markup-compatibility/2006">
+    <mc:Choice xmlns:p14="http://schemas.microsoft.com/office/powerpoint/2010/main" Requires="p14">
+      <p:transition p14:dur="0"/>
+    </mc:Choice>
+    <mc:Fallback>
+      <p:transition/>
+    </mc:Fallback>
+  </mc:AlternateContent>
+</p:sld>
+</file>
+
+<file path=ppt/slides/slide8.xml><?xml version="1.0" encoding="utf-8"?>
+<p:sld xmlns:a="http://schemas.openxmlformats.org/drawingml/2006/main" xmlns:r="http://schemas.openxmlformats.org/officeDocument/2006/relationships" xmlns:p="http://schemas.openxmlformats.org/presentationml/2006/main">
+  <p:cSld>
+    <p:spTree>
+      <p:nvGrpSpPr>
+        <p:cNvPr id="1" name=""/>
+        <p:cNvGrpSpPr/>
+        <p:nvPr/>
+      </p:nvGrpSpPr>
+      <p:grpSpPr>
+        <a:xfrm>
+          <a:off x="0" y="0"/>
+          <a:ext cx="0" cy="0"/>
+          <a:chOff x="0" y="0"/>
+          <a:chExt cx="0" cy="0"/>
+        </a:xfrm>
+      </p:grpSpPr>
+      <p:cxnSp>
+        <p:nvCxnSpPr>
+          <p:cNvPr id="9" name="直線コネクタ 8">
+            <a:extLst>
+              <a:ext uri="{FF2B5EF4-FFF2-40B4-BE49-F238E27FC236}">
+                <a16:creationId xmlns:a16="http://schemas.microsoft.com/office/drawing/2014/main" id="{41CEF5E9-CD4D-4EA8-8A04-E0B1E1D9931C}"/>
+              </a:ext>
+            </a:extLst>
+          </p:cNvPr>
+          <p:cNvCxnSpPr>
+            <a:cxnSpLocks/>
+          </p:cNvCxnSpPr>
+          <p:nvPr/>
+        </p:nvCxnSpPr>
+        <p:spPr>
+          <a:xfrm>
+            <a:off x="4712746" y="3279651"/>
+            <a:ext cx="35101" cy="1677051"/>
+          </a:xfrm>
+          <a:prstGeom prst="line">
+            <a:avLst/>
+          </a:prstGeom>
+          <a:ln>
+            <a:headEnd type="arrow" w="med" len="med"/>
+            <a:tailEnd type="none" w="med" len="med"/>
+          </a:ln>
+        </p:spPr>
+        <p:style>
+          <a:lnRef idx="1">
+            <a:schemeClr val="accent1"/>
+          </a:lnRef>
+          <a:fillRef idx="0">
+            <a:schemeClr val="accent1"/>
+          </a:fillRef>
+          <a:effectRef idx="0">
+            <a:schemeClr val="accent1"/>
+          </a:effectRef>
+          <a:fontRef idx="minor">
+            <a:schemeClr val="tx1"/>
+          </a:fontRef>
+        </p:style>
+      </p:cxnSp>
+      <p:cxnSp>
+        <p:nvCxnSpPr>
+          <p:cNvPr id="11" name="直線コネクタ 10">
+            <a:extLst>
+              <a:ext uri="{FF2B5EF4-FFF2-40B4-BE49-F238E27FC236}">
+                <a16:creationId xmlns:a16="http://schemas.microsoft.com/office/drawing/2014/main" id="{6CB03A67-15D9-455E-95D6-C5E9B2BA8BEE}"/>
+              </a:ext>
+            </a:extLst>
+          </p:cNvPr>
+          <p:cNvCxnSpPr>
+            <a:cxnSpLocks/>
+          </p:cNvCxnSpPr>
+          <p:nvPr/>
+        </p:nvCxnSpPr>
+        <p:spPr>
+          <a:xfrm>
+            <a:off x="4747847" y="4901788"/>
+            <a:ext cx="3534508" cy="0"/>
+          </a:xfrm>
+          <a:prstGeom prst="line">
+            <a:avLst/>
+          </a:prstGeom>
+          <a:ln>
+            <a:headEnd type="none" w="med" len="med"/>
+            <a:tailEnd type="arrow" w="med" len="med"/>
+          </a:ln>
+        </p:spPr>
+        <p:style>
+          <a:lnRef idx="1">
+            <a:schemeClr val="accent1"/>
+          </a:lnRef>
+          <a:fillRef idx="0">
+            <a:schemeClr val="accent1"/>
+          </a:fillRef>
+          <a:effectRef idx="0">
+            <a:schemeClr val="accent1"/>
+          </a:effectRef>
+          <a:fontRef idx="minor">
+            <a:schemeClr val="tx1"/>
+          </a:fontRef>
+        </p:style>
+      </p:cxnSp>
+      <p:cxnSp>
+        <p:nvCxnSpPr>
+          <p:cNvPr id="13" name="直線コネクタ 12">
+            <a:extLst>
+              <a:ext uri="{FF2B5EF4-FFF2-40B4-BE49-F238E27FC236}">
+                <a16:creationId xmlns:a16="http://schemas.microsoft.com/office/drawing/2014/main" id="{40C8BB85-6A6E-4964-8AE3-A13095614E22}"/>
+              </a:ext>
+            </a:extLst>
+          </p:cNvPr>
+          <p:cNvCxnSpPr>
+            <a:cxnSpLocks/>
+          </p:cNvCxnSpPr>
+          <p:nvPr/>
+        </p:nvCxnSpPr>
+        <p:spPr>
+          <a:xfrm flipH="1">
+            <a:off x="4034261" y="3215826"/>
+            <a:ext cx="2032432" cy="2569513"/>
+          </a:xfrm>
+          <a:prstGeom prst="line">
+            <a:avLst/>
+          </a:prstGeom>
+          <a:ln w="76200">
+            <a:prstDash val="sysDot"/>
+            <a:headEnd type="none" w="med" len="med"/>
+            <a:tailEnd type="triangle" w="med" len="med"/>
+          </a:ln>
+        </p:spPr>
+        <p:style>
+          <a:lnRef idx="1">
+            <a:schemeClr val="accent1"/>
+          </a:lnRef>
+          <a:fillRef idx="0">
+            <a:schemeClr val="accent1"/>
+          </a:fillRef>
+          <a:effectRef idx="0">
+            <a:schemeClr val="accent1"/>
+          </a:effectRef>
+          <a:fontRef idx="minor">
+            <a:schemeClr val="tx1"/>
+          </a:fontRef>
+        </p:style>
+      </p:cxnSp>
+      <p:cxnSp>
+        <p:nvCxnSpPr>
+          <p:cNvPr id="15" name="直線コネクタ 14">
+            <a:extLst>
+              <a:ext uri="{FF2B5EF4-FFF2-40B4-BE49-F238E27FC236}">
+                <a16:creationId xmlns:a16="http://schemas.microsoft.com/office/drawing/2014/main" id="{BC98AB40-1F09-4CEE-9A76-5FDC161BAA41}"/>
+              </a:ext>
+            </a:extLst>
+          </p:cNvPr>
+          <p:cNvCxnSpPr>
+            <a:cxnSpLocks/>
+          </p:cNvCxnSpPr>
+          <p:nvPr/>
+        </p:nvCxnSpPr>
+        <p:spPr>
+          <a:xfrm>
+            <a:off x="6013939" y="3198241"/>
+            <a:ext cx="3159369" cy="0"/>
+          </a:xfrm>
+          <a:prstGeom prst="line">
+            <a:avLst/>
+          </a:prstGeom>
+          <a:ln>
+            <a:headEnd type="none" w="med" len="med"/>
+            <a:tailEnd type="arrow" w="med" len="med"/>
+          </a:ln>
+        </p:spPr>
+        <p:style>
+          <a:lnRef idx="1">
+            <a:schemeClr val="accent1"/>
+          </a:lnRef>
+          <a:fillRef idx="0">
+            <a:schemeClr val="accent1"/>
+          </a:fillRef>
+          <a:effectRef idx="0">
+            <a:schemeClr val="accent1"/>
+          </a:effectRef>
+          <a:fontRef idx="minor">
+            <a:schemeClr val="tx1"/>
+          </a:fontRef>
+        </p:style>
+      </p:cxnSp>
+      <p:cxnSp>
+        <p:nvCxnSpPr>
+          <p:cNvPr id="17" name="直線コネクタ 16">
+            <a:extLst>
+              <a:ext uri="{FF2B5EF4-FFF2-40B4-BE49-F238E27FC236}">
+                <a16:creationId xmlns:a16="http://schemas.microsoft.com/office/drawing/2014/main" id="{683D4F7C-61EB-4E1B-942A-12C673FF4D53}"/>
+              </a:ext>
+            </a:extLst>
+          </p:cNvPr>
+          <p:cNvCxnSpPr>
+            <a:cxnSpLocks/>
+          </p:cNvCxnSpPr>
+          <p:nvPr/>
+        </p:nvCxnSpPr>
+        <p:spPr>
+          <a:xfrm flipV="1">
+            <a:off x="6066693" y="1325506"/>
+            <a:ext cx="0" cy="1890321"/>
+          </a:xfrm>
+          <a:prstGeom prst="line">
+            <a:avLst/>
+          </a:prstGeom>
+          <a:ln>
+            <a:headEnd type="none" w="med" len="med"/>
+            <a:tailEnd type="arrow" w="med" len="med"/>
+          </a:ln>
+        </p:spPr>
+        <p:style>
+          <a:lnRef idx="1">
+            <a:schemeClr val="accent1"/>
+          </a:lnRef>
+          <a:fillRef idx="0">
+            <a:schemeClr val="accent1"/>
+          </a:fillRef>
+          <a:effectRef idx="0">
+            <a:schemeClr val="accent1"/>
+          </a:effectRef>
+          <a:fontRef idx="minor">
+            <a:schemeClr val="tx1"/>
+          </a:fontRef>
+        </p:style>
+      </p:cxnSp>
+      <p:sp>
+        <p:nvSpPr>
+          <p:cNvPr id="22" name="テキスト ボックス 21">
+            <a:extLst>
+              <a:ext uri="{FF2B5EF4-FFF2-40B4-BE49-F238E27FC236}">
+                <a16:creationId xmlns:a16="http://schemas.microsoft.com/office/drawing/2014/main" id="{0D53D589-F1A8-4A2B-80D8-0149252BD282}"/>
+              </a:ext>
+            </a:extLst>
+          </p:cNvPr>
+          <p:cNvSpPr txBox="1"/>
+          <p:nvPr/>
+        </p:nvSpPr>
+        <p:spPr>
+          <a:xfrm>
+            <a:off x="6500381" y="1791471"/>
+            <a:ext cx="1744388" cy="523220"/>
+          </a:xfrm>
+          <a:prstGeom prst="rect">
+            <a:avLst/>
+          </a:prstGeom>
+          <a:noFill/>
+        </p:spPr>
+        <p:txBody>
+          <a:bodyPr wrap="none" rtlCol="0">
+            <a:spAutoFit/>
+          </a:bodyPr>
+          <a:lstStyle/>
+          <a:p>
+            <a:r>
+              <a:rPr kumimoji="1" lang="ja-JP" altLang="en-US" sz="2800" dirty="0"/>
+              <a:t>コンピュータ</a:t>
+            </a:r>
+          </a:p>
+        </p:txBody>
+      </p:sp>
+      <p:sp>
+        <p:nvSpPr>
+          <p:cNvPr id="28" name="テキスト ボックス 27">
+            <a:extLst>
+              <a:ext uri="{FF2B5EF4-FFF2-40B4-BE49-F238E27FC236}">
+                <a16:creationId xmlns:a16="http://schemas.microsoft.com/office/drawing/2014/main" id="{75857002-8A7B-4FD5-964A-839088DC594A}"/>
+              </a:ext>
+            </a:extLst>
+          </p:cNvPr>
+          <p:cNvSpPr txBox="1"/>
+          <p:nvPr/>
+        </p:nvSpPr>
+        <p:spPr>
+          <a:xfrm>
+            <a:off x="7111176" y="3486603"/>
+            <a:ext cx="1024639" cy="523220"/>
+          </a:xfrm>
+          <a:prstGeom prst="rect">
+            <a:avLst/>
+          </a:prstGeom>
+          <a:noFill/>
+        </p:spPr>
+        <p:txBody>
+          <a:bodyPr wrap="none" rtlCol="0">
+            <a:spAutoFit/>
+          </a:bodyPr>
+          <a:lstStyle/>
+          <a:p>
+            <a:r>
+              <a:rPr kumimoji="1" lang="ja-JP" altLang="en-US" sz="2800" dirty="0"/>
+              <a:t>スマホ</a:t>
+            </a:r>
+          </a:p>
+        </p:txBody>
+      </p:sp>
+      <p:sp>
+        <p:nvSpPr>
+          <p:cNvPr id="29" name="テキスト ボックス 28">
+            <a:extLst>
+              <a:ext uri="{FF2B5EF4-FFF2-40B4-BE49-F238E27FC236}">
+                <a16:creationId xmlns:a16="http://schemas.microsoft.com/office/drawing/2014/main" id="{B70A4B02-DC91-49BA-BAAB-9748976A40CB}"/>
+              </a:ext>
+            </a:extLst>
+          </p:cNvPr>
+          <p:cNvSpPr txBox="1"/>
+          <p:nvPr/>
+        </p:nvSpPr>
+        <p:spPr>
+          <a:xfrm>
+            <a:off x="9259960" y="3059868"/>
+            <a:ext cx="646331" cy="369332"/>
+          </a:xfrm>
+          <a:prstGeom prst="rect">
+            <a:avLst/>
+          </a:prstGeom>
+          <a:noFill/>
+        </p:spPr>
+        <p:txBody>
+          <a:bodyPr wrap="none" rtlCol="0">
+            <a:spAutoFit/>
+          </a:bodyPr>
+          <a:lstStyle/>
+          <a:p>
+            <a:r>
+              <a:rPr lang="ja-JP" altLang="en-US" dirty="0"/>
+              <a:t>時間</a:t>
+            </a:r>
+            <a:endParaRPr kumimoji="1" lang="ja-JP" altLang="en-US" dirty="0"/>
+          </a:p>
+        </p:txBody>
+      </p:sp>
+      <p:sp>
+        <p:nvSpPr>
+          <p:cNvPr id="30" name="テキスト ボックス 29">
+            <a:extLst>
+              <a:ext uri="{FF2B5EF4-FFF2-40B4-BE49-F238E27FC236}">
+                <a16:creationId xmlns:a16="http://schemas.microsoft.com/office/drawing/2014/main" id="{35C4615A-12A6-4068-AE65-9807C634A172}"/>
+              </a:ext>
+            </a:extLst>
+          </p:cNvPr>
+          <p:cNvSpPr txBox="1"/>
+          <p:nvPr/>
+        </p:nvSpPr>
+        <p:spPr>
+          <a:xfrm>
+            <a:off x="5743527" y="872688"/>
+            <a:ext cx="646331" cy="369332"/>
+          </a:xfrm>
+          <a:prstGeom prst="rect">
+            <a:avLst/>
+          </a:prstGeom>
+          <a:noFill/>
+        </p:spPr>
+        <p:txBody>
+          <a:bodyPr wrap="none" rtlCol="0">
+            <a:spAutoFit/>
+          </a:bodyPr>
+          <a:lstStyle/>
+          <a:p>
+            <a:r>
+              <a:rPr lang="ja-JP" altLang="en-US" dirty="0"/>
+              <a:t>性能</a:t>
+            </a:r>
+            <a:endParaRPr kumimoji="1" lang="ja-JP" altLang="en-US" dirty="0"/>
+          </a:p>
+        </p:txBody>
+      </p:sp>
+      <p:sp>
+        <p:nvSpPr>
+          <p:cNvPr id="31" name="テキスト ボックス 30">
+            <a:extLst>
+              <a:ext uri="{FF2B5EF4-FFF2-40B4-BE49-F238E27FC236}">
+                <a16:creationId xmlns:a16="http://schemas.microsoft.com/office/drawing/2014/main" id="{E77C4CB2-9FBE-4204-9A84-C71C1B45DD85}"/>
+              </a:ext>
+            </a:extLst>
+          </p:cNvPr>
+          <p:cNvSpPr txBox="1"/>
+          <p:nvPr/>
+        </p:nvSpPr>
+        <p:spPr>
+          <a:xfrm>
+            <a:off x="3642072" y="1976235"/>
+            <a:ext cx="2747786" cy="1200329"/>
+          </a:xfrm>
+          <a:prstGeom prst="rect">
+            <a:avLst/>
+          </a:prstGeom>
+          <a:noFill/>
+        </p:spPr>
+        <p:txBody>
+          <a:bodyPr wrap="square" rtlCol="0">
+            <a:spAutoFit/>
+          </a:bodyPr>
+          <a:lstStyle/>
+          <a:p>
+            <a:r>
+              <a:rPr kumimoji="1" lang="ja-JP" altLang="en-US" sz="3600" b="1" dirty="0"/>
+              <a:t>知識労働者</a:t>
+            </a:r>
+            <a:endParaRPr kumimoji="1" lang="en-US" altLang="ja-JP" sz="3600" b="1" dirty="0"/>
+          </a:p>
+          <a:p>
+            <a:r>
+              <a:rPr lang="ja-JP" altLang="en-US" sz="3600" b="1" dirty="0"/>
+              <a:t>の</a:t>
+            </a:r>
+            <a:r>
+              <a:rPr kumimoji="1" lang="ja-JP" altLang="en-US" sz="3600" b="1" dirty="0"/>
+              <a:t>情報処理</a:t>
+            </a:r>
+            <a:endParaRPr kumimoji="1" lang="en-US" altLang="ja-JP" sz="3600" b="1" dirty="0"/>
+          </a:p>
+        </p:txBody>
+      </p:sp>
+      <p:sp>
+        <p:nvSpPr>
+          <p:cNvPr id="33" name="テキスト ボックス 32">
+            <a:extLst>
+              <a:ext uri="{FF2B5EF4-FFF2-40B4-BE49-F238E27FC236}">
+                <a16:creationId xmlns:a16="http://schemas.microsoft.com/office/drawing/2014/main" id="{E5C13C32-329C-4D95-BD6C-D80171D4E75D}"/>
+              </a:ext>
+            </a:extLst>
+          </p:cNvPr>
+          <p:cNvSpPr txBox="1"/>
+          <p:nvPr/>
+        </p:nvSpPr>
+        <p:spPr>
+          <a:xfrm>
+            <a:off x="2204191" y="3756373"/>
+            <a:ext cx="2492990" cy="1200329"/>
+          </a:xfrm>
+          <a:prstGeom prst="rect">
+            <a:avLst/>
+          </a:prstGeom>
+          <a:noFill/>
+        </p:spPr>
+        <p:txBody>
+          <a:bodyPr wrap="none" rtlCol="0">
+            <a:spAutoFit/>
+          </a:bodyPr>
+          <a:lstStyle/>
+          <a:p>
+            <a:r>
+              <a:rPr kumimoji="1" lang="ja-JP" altLang="en-US" sz="3600" b="1" dirty="0"/>
+              <a:t>一般消費者</a:t>
+            </a:r>
+            <a:endParaRPr kumimoji="1" lang="en-US" altLang="ja-JP" sz="3600" b="1" dirty="0"/>
+          </a:p>
+          <a:p>
+            <a:r>
+              <a:rPr kumimoji="1" lang="ja-JP" altLang="en-US" sz="3600" b="1" dirty="0"/>
+              <a:t>の</a:t>
+            </a:r>
+            <a:r>
+              <a:rPr lang="ja-JP" altLang="en-US" sz="3600" b="1" dirty="0"/>
+              <a:t>情報流通</a:t>
+            </a:r>
+            <a:endParaRPr kumimoji="1" lang="en-US" altLang="ja-JP" sz="3600" b="1" dirty="0"/>
+          </a:p>
+        </p:txBody>
+      </p:sp>
+      <p:sp>
+        <p:nvSpPr>
+          <p:cNvPr id="46" name="テキスト ボックス 45">
+            <a:extLst>
+              <a:ext uri="{FF2B5EF4-FFF2-40B4-BE49-F238E27FC236}">
+                <a16:creationId xmlns:a16="http://schemas.microsoft.com/office/drawing/2014/main" id="{8C221A00-5A76-49F6-9367-71BAE6AC980B}"/>
+              </a:ext>
+            </a:extLst>
+          </p:cNvPr>
+          <p:cNvSpPr txBox="1"/>
+          <p:nvPr/>
+        </p:nvSpPr>
+        <p:spPr>
+          <a:xfrm>
+            <a:off x="2793466" y="5808610"/>
+            <a:ext cx="1954381" cy="369332"/>
+          </a:xfrm>
+          <a:prstGeom prst="rect">
+            <a:avLst/>
+          </a:prstGeom>
+          <a:noFill/>
+        </p:spPr>
+        <p:txBody>
+          <a:bodyPr wrap="none" rtlCol="0">
+            <a:spAutoFit/>
+          </a:bodyPr>
+          <a:lstStyle/>
+          <a:p>
+            <a:r>
+              <a:rPr kumimoji="1" lang="ja-JP" altLang="en-US" dirty="0"/>
+              <a:t>無消費、潜在市場</a:t>
+            </a:r>
+          </a:p>
+        </p:txBody>
+      </p:sp>
+      <p:sp>
+        <p:nvSpPr>
+          <p:cNvPr id="2" name="矢印: 右 1">
+            <a:extLst>
+              <a:ext uri="{FF2B5EF4-FFF2-40B4-BE49-F238E27FC236}">
+                <a16:creationId xmlns:a16="http://schemas.microsoft.com/office/drawing/2014/main" id="{B8CD9B98-6AA1-4167-B353-06051A42E448}"/>
+              </a:ext>
+            </a:extLst>
+          </p:cNvPr>
+          <p:cNvSpPr/>
+          <p:nvPr/>
+        </p:nvSpPr>
+        <p:spPr>
+          <a:xfrm rot="20603884">
+            <a:off x="6118763" y="2406968"/>
+            <a:ext cx="2922703" cy="560480"/>
+          </a:xfrm>
+          <a:prstGeom prst="rightArrow">
+            <a:avLst/>
+          </a:prstGeom>
+        </p:spPr>
+        <p:style>
+          <a:lnRef idx="2">
+            <a:schemeClr val="accent1">
+              <a:shade val="50000"/>
+            </a:schemeClr>
+          </a:lnRef>
+          <a:fillRef idx="1">
+            <a:schemeClr val="accent1"/>
+          </a:fillRef>
+          <a:effectRef idx="0">
+            <a:schemeClr val="accent1"/>
+          </a:effectRef>
+          <a:fontRef idx="minor">
+            <a:schemeClr val="lt1"/>
+          </a:fontRef>
+        </p:style>
+        <p:txBody>
+          <a:bodyPr rtlCol="0" anchor="ctr"/>
+          <a:lstStyle/>
+          <a:p>
+            <a:pPr algn="ctr"/>
+            <a:endParaRPr kumimoji="1" lang="ja-JP" altLang="en-US"/>
+          </a:p>
+        </p:txBody>
+      </p:sp>
+      <p:sp>
+        <p:nvSpPr>
+          <p:cNvPr id="3" name="矢印: 右 2">
+            <a:extLst>
+              <a:ext uri="{FF2B5EF4-FFF2-40B4-BE49-F238E27FC236}">
+                <a16:creationId xmlns:a16="http://schemas.microsoft.com/office/drawing/2014/main" id="{DBB97A0F-0F38-4C22-9264-F5A0797BA176}"/>
+              </a:ext>
+            </a:extLst>
+          </p:cNvPr>
+          <p:cNvSpPr/>
+          <p:nvPr/>
+        </p:nvSpPr>
+        <p:spPr>
+          <a:xfrm rot="20496135">
+            <a:off x="6213787" y="4000125"/>
+            <a:ext cx="3704255" cy="525428"/>
+          </a:xfrm>
+          <a:prstGeom prst="rightArrow">
+            <a:avLst/>
+          </a:prstGeom>
+          <a:solidFill>
+            <a:schemeClr val="accent1">
+              <a:lumMod val="60000"/>
+              <a:lumOff val="40000"/>
+            </a:schemeClr>
+          </a:solidFill>
+        </p:spPr>
+        <p:style>
+          <a:lnRef idx="2">
+            <a:schemeClr val="accent1">
+              <a:shade val="50000"/>
+            </a:schemeClr>
+          </a:lnRef>
+          <a:fillRef idx="1">
+            <a:schemeClr val="accent1"/>
+          </a:fillRef>
+          <a:effectRef idx="0">
+            <a:schemeClr val="accent1"/>
+          </a:effectRef>
+          <a:fontRef idx="minor">
+            <a:schemeClr val="lt1"/>
+          </a:fontRef>
+        </p:style>
+        <p:txBody>
+          <a:bodyPr rtlCol="0" anchor="ctr"/>
+          <a:lstStyle/>
+          <a:p>
+            <a:pPr algn="ctr"/>
+            <a:endParaRPr kumimoji="1" lang="ja-JP" altLang="en-US" dirty="0"/>
+          </a:p>
+        </p:txBody>
+      </p:sp>
+    </p:spTree>
+    <p:extLst>
+      <p:ext uri="{BB962C8B-B14F-4D97-AF65-F5344CB8AC3E}">
+        <p14:creationId xmlns:p14="http://schemas.microsoft.com/office/powerpoint/2010/main" val="3391136312"/>
+      </p:ext>
+    </p:extLst>
+  </p:cSld>
+  <p:clrMapOvr>
+    <a:masterClrMapping/>
+  </p:clrMapOvr>
+  <mc:AlternateContent xmlns:mc="http://schemas.openxmlformats.org/markup-compatibility/2006">
+    <mc:Choice xmlns:p14="http://schemas.microsoft.com/office/powerpoint/2010/main" Requires="p14">
+      <p:transition p14:dur="0" advTm="73295"/>
+    </mc:Choice>
+    <mc:Fallback>
+      <p:transition advTm="73295"/>
     </mc:Fallback>
   </mc:AlternateContent>
 </p:sld>
